--- a/Rapport/Intelligence Artificielle.pptx
+++ b/Rapport/Intelligence Artificielle.pptx
@@ -15,10 +15,10 @@
     <p:sldId id="264" r:id="rId6"/>
     <p:sldId id="265" r:id="rId7"/>
     <p:sldId id="267" r:id="rId8"/>
-    <p:sldId id="266" r:id="rId9"/>
-    <p:sldId id="260" r:id="rId10"/>
-    <p:sldId id="262" r:id="rId11"/>
-    <p:sldId id="263" r:id="rId12"/>
+    <p:sldId id="260" r:id="rId9"/>
+    <p:sldId id="262" r:id="rId10"/>
+    <p:sldId id="263" r:id="rId11"/>
+    <p:sldId id="268" r:id="rId12"/>
     <p:sldId id="261" r:id="rId13"/>
   </p:sldIdLst>
   <p:sldSz cx="12192000" cy="6858000"/>
@@ -9168,7 +9168,7 @@
           <a:p>
             <a:fld id="{D293A685-CFD1-40CA-8682-1AC60D51920D}" type="slidenum">
               <a:rPr lang="fr-FR" smtClean="0"/>
-              <a:t>9</a:t>
+              <a:t>8</a:t>
             </a:fld>
             <a:endParaRPr lang="fr-FR"/>
           </a:p>
@@ -9188,6 +9188,90 @@
 </file>
 
 <file path=ppt/notesSlides/notesSlide6.xml><?xml version="1.0" encoding="utf-8"?>
+<p:notes xmlns:a="http://schemas.openxmlformats.org/drawingml/2006/main" xmlns:r="http://schemas.openxmlformats.org/officeDocument/2006/relationships" xmlns:p="http://schemas.openxmlformats.org/presentationml/2006/main">
+  <p:cSld>
+    <p:spTree>
+      <p:nvGrpSpPr>
+        <p:cNvPr id="1" name=""/>
+        <p:cNvGrpSpPr/>
+        <p:nvPr/>
+      </p:nvGrpSpPr>
+      <p:grpSpPr>
+        <a:xfrm>
+          <a:off x="0" y="0"/>
+          <a:ext cx="0" cy="0"/>
+          <a:chOff x="0" y="0"/>
+          <a:chExt cx="0" cy="0"/>
+        </a:xfrm>
+      </p:grpSpPr>
+      <p:sp>
+        <p:nvSpPr>
+          <p:cNvPr id="2" name="Espace réservé de l'image des diapositives 1"/>
+          <p:cNvSpPr>
+            <a:spLocks noGrp="1" noRot="1" noChangeAspect="1"/>
+          </p:cNvSpPr>
+          <p:nvPr>
+            <p:ph type="sldImg"/>
+          </p:nvPr>
+        </p:nvSpPr>
+        <p:spPr/>
+      </p:sp>
+      <p:sp>
+        <p:nvSpPr>
+          <p:cNvPr id="3" name="Espace réservé des commentaires 2"/>
+          <p:cNvSpPr>
+            <a:spLocks noGrp="1"/>
+          </p:cNvSpPr>
+          <p:nvPr>
+            <p:ph type="body" idx="1"/>
+          </p:nvPr>
+        </p:nvSpPr>
+        <p:spPr/>
+        <p:txBody>
+          <a:bodyPr/>
+          <a:lstStyle/>
+          <a:p>
+            <a:endParaRPr lang="fr-FR"/>
+          </a:p>
+        </p:txBody>
+      </p:sp>
+      <p:sp>
+        <p:nvSpPr>
+          <p:cNvPr id="4" name="Espace réservé du numéro de diapositive 3"/>
+          <p:cNvSpPr>
+            <a:spLocks noGrp="1"/>
+          </p:cNvSpPr>
+          <p:nvPr>
+            <p:ph type="sldNum" sz="quarter" idx="10"/>
+          </p:nvPr>
+        </p:nvSpPr>
+        <p:spPr/>
+        <p:txBody>
+          <a:bodyPr/>
+          <a:lstStyle/>
+          <a:p>
+            <a:fld id="{D293A685-CFD1-40CA-8682-1AC60D51920D}" type="slidenum">
+              <a:rPr lang="fr-FR" smtClean="0"/>
+              <a:t>11</a:t>
+            </a:fld>
+            <a:endParaRPr lang="fr-FR"/>
+          </a:p>
+        </p:txBody>
+      </p:sp>
+    </p:spTree>
+    <p:extLst>
+      <p:ext uri="{BB962C8B-B14F-4D97-AF65-F5344CB8AC3E}">
+        <p14:creationId xmlns:p14="http://schemas.microsoft.com/office/powerpoint/2010/main" val="4261257528"/>
+      </p:ext>
+    </p:extLst>
+  </p:cSld>
+  <p:clrMapOvr>
+    <a:masterClrMapping/>
+  </p:clrMapOvr>
+</p:notes>
+</file>
+
+<file path=ppt/notesSlides/notesSlide7.xml><?xml version="1.0" encoding="utf-8"?>
 <p:notes xmlns:a="http://schemas.openxmlformats.org/drawingml/2006/main" xmlns:r="http://schemas.openxmlformats.org/officeDocument/2006/relationships" xmlns:p="http://schemas.openxmlformats.org/presentationml/2006/main">
   <p:cSld>
     <p:spTree>
@@ -9543,7 +9627,7 @@
           <a:bodyPr/>
           <a:lstStyle/>
           <a:p>
-            <a:fld id="{D9ACA6F4-D998-4025-BF16-D4ECB040E119}" type="datetime1">
+            <a:fld id="{FFD215DB-70B0-4FEF-A460-1C88A8D0A8E8}" type="datetime1">
               <a:rPr lang="en-US" smtClean="0"/>
               <a:t>1/3/2017</a:t>
             </a:fld>
@@ -9958,7 +10042,7 @@
           <a:bodyPr/>
           <a:lstStyle/>
           <a:p>
-            <a:fld id="{DBBF6A4A-C704-41B6-B861-3D848C46FEAB}" type="datetime1">
+            <a:fld id="{612240D4-FEE2-41CD-B044-F710709A6853}" type="datetime1">
               <a:rPr lang="en-US" smtClean="0"/>
               <a:t>1/3/2017</a:t>
             </a:fld>
@@ -10295,7 +10379,7 @@
           <a:bodyPr/>
           <a:lstStyle/>
           <a:p>
-            <a:fld id="{658B1E01-F72B-4390-AC5A-9A783727B80B}" type="datetime1">
+            <a:fld id="{51B2529B-C77C-4607-8759-BA8D12660139}" type="datetime1">
               <a:rPr lang="en-US" smtClean="0"/>
               <a:t>1/3/2017</a:t>
             </a:fld>
@@ -10701,7 +10785,7 @@
           <a:bodyPr/>
           <a:lstStyle/>
           <a:p>
-            <a:fld id="{FB7A1B12-8096-4890-8C93-79AB6C39671B}" type="datetime1">
+            <a:fld id="{9F4D35FB-6B33-4D06-BF89-A69B37D29A51}" type="datetime1">
               <a:rPr lang="en-US" smtClean="0"/>
               <a:t>1/3/2017</a:t>
             </a:fld>
@@ -11270,7 +11354,7 @@
           <a:bodyPr/>
           <a:lstStyle/>
           <a:p>
-            <a:fld id="{0383199F-0B2E-4743-8F28-883D136A751F}" type="datetime1">
+            <a:fld id="{C09E7E41-E112-4761-80F3-00E20B23D80B}" type="datetime1">
               <a:rPr lang="en-US" smtClean="0"/>
               <a:t>1/3/2017</a:t>
             </a:fld>
@@ -11952,7 +12036,7 @@
           <a:bodyPr/>
           <a:lstStyle/>
           <a:p>
-            <a:fld id="{60E3D373-FDC1-4369-AD71-C38C13745779}" type="datetime1">
+            <a:fld id="{F14AC156-186A-46CD-9105-795A1BCF8CCF}" type="datetime1">
               <a:rPr lang="en-US" smtClean="0"/>
               <a:t>1/3/2017</a:t>
             </a:fld>
@@ -12866,7 +12950,7 @@
           <a:bodyPr/>
           <a:lstStyle/>
           <a:p>
-            <a:fld id="{0DC6BDB9-BEAA-4A85-BD53-DA57B32B72E3}" type="datetime1">
+            <a:fld id="{6A7C01D4-1753-4826-A5C3-FB77972C8CE5}" type="datetime1">
               <a:rPr lang="en-US" smtClean="0"/>
               <a:t>1/3/2017</a:t>
             </a:fld>
@@ -13180,7 +13264,7 @@
           <a:bodyPr/>
           <a:lstStyle/>
           <a:p>
-            <a:fld id="{8F468D71-02C3-4961-932D-F6B39F8723F8}" type="datetime1">
+            <a:fld id="{8AFC32E0-0BEE-41F3-B628-278E3FDDC9F1}" type="datetime1">
               <a:rPr lang="en-US" smtClean="0"/>
               <a:t>1/3/2017</a:t>
             </a:fld>
@@ -13444,7 +13528,7 @@
           <a:bodyPr/>
           <a:lstStyle/>
           <a:p>
-            <a:fld id="{7198E5F4-9137-4D4A-AE94-AE4EB90AD168}" type="datetime1">
+            <a:fld id="{445709D5-78BD-4351-9693-13EF15423873}" type="datetime1">
               <a:rPr lang="en-US" smtClean="0"/>
               <a:t>1/3/2017</a:t>
             </a:fld>
@@ -13767,7 +13851,7 @@
           <a:bodyPr/>
           <a:lstStyle/>
           <a:p>
-            <a:fld id="{567B994B-AF31-4F35-AB66-7AABC0E52F19}" type="datetime1">
+            <a:fld id="{75249AEC-06D6-4334-B060-F3DD4399F539}" type="datetime1">
               <a:rPr lang="en-US" smtClean="0"/>
               <a:t>1/3/2017</a:t>
             </a:fld>
@@ -14156,7 +14240,7 @@
           <a:bodyPr/>
           <a:lstStyle/>
           <a:p>
-            <a:fld id="{FFA01BCF-22CC-4632-8B36-9776D938308B}" type="datetime1">
+            <a:fld id="{CE0B68BF-B3AA-4EE4-91D2-76B9D332139F}" type="datetime1">
               <a:rPr lang="en-US" smtClean="0"/>
               <a:t>1/3/2017</a:t>
             </a:fld>
@@ -14533,7 +14617,7 @@
           <a:bodyPr/>
           <a:lstStyle/>
           <a:p>
-            <a:fld id="{CAAD2410-185C-4D90-B06A-EEB6E1C7E043}" type="datetime1">
+            <a:fld id="{B975999E-6454-4EEA-8F60-E3528459A843}" type="datetime1">
               <a:rPr lang="en-US" smtClean="0"/>
               <a:t>1/3/2017</a:t>
             </a:fld>
@@ -15039,7 +15123,7 @@
           <a:bodyPr/>
           <a:lstStyle/>
           <a:p>
-            <a:fld id="{625CEEE4-88CD-4A51-860B-218FA53FEE8C}" type="datetime1">
+            <a:fld id="{2D49DAE9-7CC2-44D4-8104-178C48BA8ECF}" type="datetime1">
               <a:rPr lang="en-US" smtClean="0"/>
               <a:t>1/3/2017</a:t>
             </a:fld>
@@ -15296,7 +15380,7 @@
           <a:bodyPr/>
           <a:lstStyle/>
           <a:p>
-            <a:fld id="{82F26F3D-F565-4BB6-8318-6F91F9823D0C}" type="datetime1">
+            <a:fld id="{D74D0117-CFBB-4C96-8A68-0D7B24437D7E}" type="datetime1">
               <a:rPr lang="en-US" smtClean="0"/>
               <a:t>1/3/2017</a:t>
             </a:fld>
@@ -15459,7 +15543,7 @@
           <a:bodyPr/>
           <a:lstStyle/>
           <a:p>
-            <a:fld id="{5370B46F-DA69-477D-BB02-CECB73810AC8}" type="datetime1">
+            <a:fld id="{0E20D6CF-D728-483F-9A95-6F19AC250FC6}" type="datetime1">
               <a:rPr lang="en-US" smtClean="0"/>
               <a:t>1/3/2017</a:t>
             </a:fld>
@@ -15849,7 +15933,7 @@
           <a:bodyPr/>
           <a:lstStyle/>
           <a:p>
-            <a:fld id="{D169BAF1-2848-47B2-BB67-BD3D7AC38A98}" type="datetime1">
+            <a:fld id="{293E44A5-6D0A-4C80-A3A7-692CE50B8AFA}" type="datetime1">
               <a:rPr lang="en-US" smtClean="0"/>
               <a:t>1/3/2017</a:t>
             </a:fld>
@@ -16259,7 +16343,7 @@
           <a:bodyPr/>
           <a:lstStyle/>
           <a:p>
-            <a:fld id="{4BB6DE48-F79F-4161-A3B9-58644F99E052}" type="datetime1">
+            <a:fld id="{B9419283-8689-4152-9003-E1AFCF96FE3B}" type="datetime1">
               <a:rPr lang="en-US" smtClean="0"/>
               <a:t>1/3/2017</a:t>
             </a:fld>
@@ -16504,7 +16588,7 @@
             </a:lvl1pPr>
           </a:lstStyle>
           <a:p>
-            <a:fld id="{BCB17C97-FDD0-4624-A78E-29F1042236F0}" type="datetime1">
+            <a:fld id="{4F6A617A-1885-4A90-BFFF-27A0BD588050}" type="datetime1">
               <a:rPr lang="en-US" smtClean="0"/>
               <a:t>1/3/2017</a:t>
             </a:fld>
@@ -16618,7 +16702,7 @@
     <p:sldLayoutId id="2147483898" r:id="rId16"/>
     <p:sldLayoutId id="2147483899" r:id="rId17"/>
   </p:sldLayoutIdLst>
-  <p:hf sldNum="0" hdr="0" ftr="0" dt="0"/>
+  <p:hf hdr="0" ftr="0" dt="0"/>
   <p:txStyles>
     <p:titleStyle>
       <a:lvl1pPr algn="l" defTabSz="914400" rtl="0" eaLnBrk="1" latinLnBrk="0" hangingPunct="1">
@@ -17050,6 +17134,30 @@
           </a:prstGeom>
         </p:spPr>
       </p:pic>
+      <p:sp>
+        <p:nvSpPr>
+          <p:cNvPr id="5" name="Espace réservé du numéro de diapositive 4"/>
+          <p:cNvSpPr>
+            <a:spLocks noGrp="1"/>
+          </p:cNvSpPr>
+          <p:nvPr>
+            <p:ph type="sldNum" sz="quarter" idx="12"/>
+          </p:nvPr>
+        </p:nvSpPr>
+        <p:spPr/>
+        <p:txBody>
+          <a:bodyPr/>
+          <a:lstStyle/>
+          <a:p>
+            <a:fld id="{4FAB73BC-B049-4115-A692-8D63A059BFB8}" type="slidenum">
+              <a:rPr lang="en-US" smtClean="0"/>
+              <a:pPr/>
+              <a:t>1</a:t>
+            </a:fld>
+            <a:endParaRPr lang="en-US" dirty="0"/>
+          </a:p>
+        </p:txBody>
+      </p:sp>
     </p:spTree>
     <p:extLst>
       <p:ext uri="{BB962C8B-B14F-4D97-AF65-F5344CB8AC3E}">
@@ -17071,794 +17179,6 @@
 </file>
 
 <file path=ppt/slides/slide10.xml><?xml version="1.0" encoding="utf-8"?>
-<p:sld xmlns:a="http://schemas.openxmlformats.org/drawingml/2006/main" xmlns:r="http://schemas.openxmlformats.org/officeDocument/2006/relationships" xmlns:p="http://schemas.openxmlformats.org/presentationml/2006/main">
-  <p:cSld>
-    <p:spTree>
-      <p:nvGrpSpPr>
-        <p:cNvPr id="1" name=""/>
-        <p:cNvGrpSpPr/>
-        <p:nvPr/>
-      </p:nvGrpSpPr>
-      <p:grpSpPr>
-        <a:xfrm>
-          <a:off x="0" y="0"/>
-          <a:ext cx="0" cy="0"/>
-          <a:chOff x="0" y="0"/>
-          <a:chExt cx="0" cy="0"/>
-        </a:xfrm>
-      </p:grpSpPr>
-      <p:sp>
-        <p:nvSpPr>
-          <p:cNvPr id="2" name="Titre 1"/>
-          <p:cNvSpPr>
-            <a:spLocks noGrp="1"/>
-          </p:cNvSpPr>
-          <p:nvPr>
-            <p:ph type="title"/>
-          </p:nvPr>
-        </p:nvSpPr>
-        <p:spPr/>
-        <p:txBody>
-          <a:bodyPr/>
-          <a:lstStyle/>
-          <a:p>
-            <a:r>
-              <a:rPr lang="en-US" dirty="0" err="1"/>
-              <a:t>Répartition</a:t>
-            </a:r>
-            <a:r>
-              <a:rPr lang="en-US" dirty="0"/>
-              <a:t> des </a:t>
-            </a:r>
-            <a:r>
-              <a:rPr lang="en-US" dirty="0" err="1"/>
-              <a:t>tâches</a:t>
-            </a:r>
-            <a:endParaRPr lang="en-US" dirty="0"/>
-          </a:p>
-        </p:txBody>
-      </p:sp>
-      <p:sp>
-        <p:nvSpPr>
-          <p:cNvPr id="4" name="Espace réservé du numéro de diapositive 3"/>
-          <p:cNvSpPr>
-            <a:spLocks noGrp="1"/>
-          </p:cNvSpPr>
-          <p:nvPr>
-            <p:ph type="sldNum" sz="quarter" idx="12"/>
-          </p:nvPr>
-        </p:nvSpPr>
-        <p:spPr/>
-        <p:txBody>
-          <a:bodyPr/>
-          <a:lstStyle/>
-          <a:p>
-            <a:fld id="{4FAB73BC-B049-4115-A692-8D63A059BFB8}" type="slidenum">
-              <a:rPr lang="en-US" smtClean="0"/>
-              <a:t>10</a:t>
-            </a:fld>
-            <a:endParaRPr lang="en-US" dirty="0"/>
-          </a:p>
-        </p:txBody>
-      </p:sp>
-      <p:graphicFrame>
-        <p:nvGraphicFramePr>
-          <p:cNvPr id="5" name="Diagramme 4"/>
-          <p:cNvGraphicFramePr/>
-          <p:nvPr>
-            <p:extLst>
-              <p:ext uri="{D42A27DB-BD31-4B8C-83A1-F6EECF244321}">
-                <p14:modId xmlns:p14="http://schemas.microsoft.com/office/powerpoint/2010/main" val="902645482"/>
-              </p:ext>
-            </p:extLst>
-          </p:nvPr>
-        </p:nvGraphicFramePr>
-        <p:xfrm>
-          <a:off x="4127014" y="1834166"/>
-          <a:ext cx="3358146" cy="2257684"/>
-        </p:xfrm>
-        <a:graphic>
-          <a:graphicData uri="http://schemas.openxmlformats.org/drawingml/2006/diagram">
-            <dgm:relIds xmlns:dgm="http://schemas.openxmlformats.org/drawingml/2006/diagram" xmlns:r="http://schemas.openxmlformats.org/officeDocument/2006/relationships" r:dm="rId2" r:lo="rId3" r:qs="rId4" r:cs="rId5"/>
-          </a:graphicData>
-        </a:graphic>
-      </p:graphicFrame>
-      <p:grpSp>
-        <p:nvGrpSpPr>
-          <p:cNvPr id="7" name="Groupe 6"/>
-          <p:cNvGrpSpPr/>
-          <p:nvPr/>
-        </p:nvGrpSpPr>
-        <p:grpSpPr>
-          <a:xfrm>
-            <a:off x="405510" y="4351814"/>
-            <a:ext cx="2299825" cy="494546"/>
-            <a:chOff x="0" y="1910710"/>
-            <a:chExt cx="1756276" cy="336263"/>
-          </a:xfrm>
-        </p:grpSpPr>
-        <p:sp>
-          <p:nvSpPr>
-            <p:cNvPr id="8" name="Rectangle : coins arrondis 7"/>
-            <p:cNvSpPr/>
-            <p:nvPr/>
-          </p:nvSpPr>
-          <p:spPr>
-            <a:xfrm>
-              <a:off x="0" y="1910710"/>
-              <a:ext cx="1756276" cy="336263"/>
-            </a:xfrm>
-            <a:prstGeom prst="roundRect">
-              <a:avLst>
-                <a:gd name="adj" fmla="val 10000"/>
-              </a:avLst>
-            </a:prstGeom>
-          </p:spPr>
-          <p:style>
-            <a:lnRef idx="2">
-              <a:schemeClr val="lt1">
-                <a:hueOff val="0"/>
-                <a:satOff val="0"/>
-                <a:lumOff val="0"/>
-                <a:alphaOff val="0"/>
-              </a:schemeClr>
-            </a:lnRef>
-            <a:fillRef idx="1">
-              <a:schemeClr val="accent1">
-                <a:hueOff val="0"/>
-                <a:satOff val="0"/>
-                <a:lumOff val="0"/>
-                <a:alphaOff val="0"/>
-              </a:schemeClr>
-            </a:fillRef>
-            <a:effectRef idx="0">
-              <a:schemeClr val="accent1">
-                <a:hueOff val="0"/>
-                <a:satOff val="0"/>
-                <a:lumOff val="0"/>
-                <a:alphaOff val="0"/>
-              </a:schemeClr>
-            </a:effectRef>
-            <a:fontRef idx="minor">
-              <a:schemeClr val="lt1"/>
-            </a:fontRef>
-          </p:style>
-        </p:sp>
-        <p:sp>
-          <p:nvSpPr>
-            <p:cNvPr id="9" name="Rectangle : coins arrondis 4"/>
-            <p:cNvSpPr txBox="1"/>
-            <p:nvPr/>
-          </p:nvSpPr>
-          <p:spPr>
-            <a:xfrm>
-              <a:off x="9849" y="1920559"/>
-              <a:ext cx="1736578" cy="316565"/>
-            </a:xfrm>
-            <a:prstGeom prst="rect">
-              <a:avLst/>
-            </a:prstGeom>
-          </p:spPr>
-          <p:style>
-            <a:lnRef idx="0">
-              <a:scrgbClr r="0" g="0" b="0"/>
-            </a:lnRef>
-            <a:fillRef idx="0">
-              <a:scrgbClr r="0" g="0" b="0"/>
-            </a:fillRef>
-            <a:effectRef idx="0">
-              <a:scrgbClr r="0" g="0" b="0"/>
-            </a:effectRef>
-            <a:fontRef idx="minor">
-              <a:schemeClr val="lt1"/>
-            </a:fontRef>
-          </p:style>
-          <p:txBody>
-            <a:bodyPr spcFirstLastPara="0" vert="horz" wrap="square" lIns="19050" tIns="12700" rIns="19050" bIns="12700" numCol="1" spcCol="1270" anchor="ctr" anchorCtr="0">
-              <a:noAutofit/>
-            </a:bodyPr>
-            <a:lstStyle/>
-            <a:p>
-              <a:pPr marL="0" lvl="0" indent="0" algn="ctr" defTabSz="444500">
-                <a:lnSpc>
-                  <a:spcPct val="90000"/>
-                </a:lnSpc>
-                <a:spcBef>
-                  <a:spcPct val="0"/>
-                </a:spcBef>
-                <a:spcAft>
-                  <a:spcPct val="35000"/>
-                </a:spcAft>
-                <a:buNone/>
-              </a:pPr>
-              <a:r>
-                <a:rPr lang="fr-FR" sz="1700" kern="1200" dirty="0"/>
-                <a:t>Prise d’informations</a:t>
-              </a:r>
-            </a:p>
-          </p:txBody>
-        </p:sp>
-      </p:grpSp>
-      <p:grpSp>
-        <p:nvGrpSpPr>
-          <p:cNvPr id="16" name="Groupe 15"/>
-          <p:cNvGrpSpPr/>
-          <p:nvPr/>
-        </p:nvGrpSpPr>
-        <p:grpSpPr>
-          <a:xfrm>
-            <a:off x="3227629" y="4351814"/>
-            <a:ext cx="2726279" cy="494546"/>
-            <a:chOff x="0" y="1910710"/>
-            <a:chExt cx="1756276" cy="336263"/>
-          </a:xfrm>
-        </p:grpSpPr>
-        <p:sp>
-          <p:nvSpPr>
-            <p:cNvPr id="17" name="Rectangle : coins arrondis 16"/>
-            <p:cNvSpPr/>
-            <p:nvPr/>
-          </p:nvSpPr>
-          <p:spPr>
-            <a:xfrm>
-              <a:off x="0" y="1910710"/>
-              <a:ext cx="1756276" cy="336263"/>
-            </a:xfrm>
-            <a:prstGeom prst="roundRect">
-              <a:avLst>
-                <a:gd name="adj" fmla="val 10000"/>
-              </a:avLst>
-            </a:prstGeom>
-          </p:spPr>
-          <p:style>
-            <a:lnRef idx="2">
-              <a:schemeClr val="lt1">
-                <a:hueOff val="0"/>
-                <a:satOff val="0"/>
-                <a:lumOff val="0"/>
-                <a:alphaOff val="0"/>
-              </a:schemeClr>
-            </a:lnRef>
-            <a:fillRef idx="1">
-              <a:schemeClr val="accent1">
-                <a:hueOff val="0"/>
-                <a:satOff val="0"/>
-                <a:lumOff val="0"/>
-                <a:alphaOff val="0"/>
-              </a:schemeClr>
-            </a:fillRef>
-            <a:effectRef idx="0">
-              <a:schemeClr val="accent1">
-                <a:hueOff val="0"/>
-                <a:satOff val="0"/>
-                <a:lumOff val="0"/>
-                <a:alphaOff val="0"/>
-              </a:schemeClr>
-            </a:effectRef>
-            <a:fontRef idx="minor">
-              <a:schemeClr val="lt1"/>
-            </a:fontRef>
-          </p:style>
-        </p:sp>
-        <p:sp>
-          <p:nvSpPr>
-            <p:cNvPr id="18" name="Rectangle : coins arrondis 4"/>
-            <p:cNvSpPr txBox="1"/>
-            <p:nvPr/>
-          </p:nvSpPr>
-          <p:spPr>
-            <a:xfrm>
-              <a:off x="9849" y="1920559"/>
-              <a:ext cx="1736578" cy="316565"/>
-            </a:xfrm>
-            <a:prstGeom prst="rect">
-              <a:avLst/>
-            </a:prstGeom>
-          </p:spPr>
-          <p:style>
-            <a:lnRef idx="0">
-              <a:scrgbClr r="0" g="0" b="0"/>
-            </a:lnRef>
-            <a:fillRef idx="0">
-              <a:scrgbClr r="0" g="0" b="0"/>
-            </a:fillRef>
-            <a:effectRef idx="0">
-              <a:scrgbClr r="0" g="0" b="0"/>
-            </a:effectRef>
-            <a:fontRef idx="minor">
-              <a:schemeClr val="lt1"/>
-            </a:fontRef>
-          </p:style>
-          <p:txBody>
-            <a:bodyPr spcFirstLastPara="0" vert="horz" wrap="square" lIns="19050" tIns="12700" rIns="19050" bIns="12700" numCol="1" spcCol="1270" anchor="ctr" anchorCtr="0">
-              <a:noAutofit/>
-            </a:bodyPr>
-            <a:lstStyle/>
-            <a:p>
-              <a:pPr marL="0" lvl="0" indent="0" algn="ctr" defTabSz="444500">
-                <a:lnSpc>
-                  <a:spcPct val="90000"/>
-                </a:lnSpc>
-                <a:spcBef>
-                  <a:spcPct val="0"/>
-                </a:spcBef>
-                <a:spcAft>
-                  <a:spcPct val="35000"/>
-                </a:spcAft>
-                <a:buNone/>
-              </a:pPr>
-              <a:r>
-                <a:rPr lang="fr-FR" sz="1700" kern="1200" dirty="0"/>
-                <a:t>Développement des classes</a:t>
-              </a:r>
-            </a:p>
-          </p:txBody>
-        </p:sp>
-      </p:grpSp>
-      <p:grpSp>
-        <p:nvGrpSpPr>
-          <p:cNvPr id="19" name="Groupe 18"/>
-          <p:cNvGrpSpPr/>
-          <p:nvPr/>
-        </p:nvGrpSpPr>
-        <p:grpSpPr>
-          <a:xfrm>
-            <a:off x="9298318" y="4369527"/>
-            <a:ext cx="2585288" cy="508216"/>
-            <a:chOff x="0" y="1910710"/>
-            <a:chExt cx="1756276" cy="336263"/>
-          </a:xfrm>
-        </p:grpSpPr>
-        <p:sp>
-          <p:nvSpPr>
-            <p:cNvPr id="20" name="Rectangle : coins arrondis 19"/>
-            <p:cNvSpPr/>
-            <p:nvPr/>
-          </p:nvSpPr>
-          <p:spPr>
-            <a:xfrm>
-              <a:off x="0" y="1910710"/>
-              <a:ext cx="1756276" cy="336263"/>
-            </a:xfrm>
-            <a:prstGeom prst="roundRect">
-              <a:avLst>
-                <a:gd name="adj" fmla="val 10000"/>
-              </a:avLst>
-            </a:prstGeom>
-          </p:spPr>
-          <p:style>
-            <a:lnRef idx="2">
-              <a:schemeClr val="lt1">
-                <a:hueOff val="0"/>
-                <a:satOff val="0"/>
-                <a:lumOff val="0"/>
-                <a:alphaOff val="0"/>
-              </a:schemeClr>
-            </a:lnRef>
-            <a:fillRef idx="1">
-              <a:schemeClr val="accent1">
-                <a:hueOff val="0"/>
-                <a:satOff val="0"/>
-                <a:lumOff val="0"/>
-                <a:alphaOff val="0"/>
-              </a:schemeClr>
-            </a:fillRef>
-            <a:effectRef idx="0">
-              <a:schemeClr val="accent1">
-                <a:hueOff val="0"/>
-                <a:satOff val="0"/>
-                <a:lumOff val="0"/>
-                <a:alphaOff val="0"/>
-              </a:schemeClr>
-            </a:effectRef>
-            <a:fontRef idx="minor">
-              <a:schemeClr val="lt1"/>
-            </a:fontRef>
-          </p:style>
-        </p:sp>
-        <p:sp>
-          <p:nvSpPr>
-            <p:cNvPr id="21" name="Rectangle : coins arrondis 4"/>
-            <p:cNvSpPr txBox="1"/>
-            <p:nvPr/>
-          </p:nvSpPr>
-          <p:spPr>
-            <a:xfrm>
-              <a:off x="9849" y="1920559"/>
-              <a:ext cx="1736578" cy="316565"/>
-            </a:xfrm>
-            <a:prstGeom prst="rect">
-              <a:avLst/>
-            </a:prstGeom>
-          </p:spPr>
-          <p:style>
-            <a:lnRef idx="0">
-              <a:scrgbClr r="0" g="0" b="0"/>
-            </a:lnRef>
-            <a:fillRef idx="0">
-              <a:scrgbClr r="0" g="0" b="0"/>
-            </a:fillRef>
-            <a:effectRef idx="0">
-              <a:scrgbClr r="0" g="0" b="0"/>
-            </a:effectRef>
-            <a:fontRef idx="minor">
-              <a:schemeClr val="lt1"/>
-            </a:fontRef>
-          </p:style>
-          <p:txBody>
-            <a:bodyPr spcFirstLastPara="0" vert="horz" wrap="square" lIns="19050" tIns="12700" rIns="19050" bIns="12700" numCol="1" spcCol="1270" anchor="ctr" anchorCtr="0">
-              <a:noAutofit/>
-            </a:bodyPr>
-            <a:lstStyle/>
-            <a:p>
-              <a:pPr marL="0" lvl="0" indent="0" algn="ctr" defTabSz="444500">
-                <a:lnSpc>
-                  <a:spcPct val="90000"/>
-                </a:lnSpc>
-                <a:spcBef>
-                  <a:spcPct val="0"/>
-                </a:spcBef>
-                <a:spcAft>
-                  <a:spcPct val="35000"/>
-                </a:spcAft>
-                <a:buNone/>
-              </a:pPr>
-              <a:r>
-                <a:rPr lang="fr-FR" sz="1700" kern="1200" dirty="0"/>
-                <a:t>Interface graphique</a:t>
-              </a:r>
-            </a:p>
-          </p:txBody>
-        </p:sp>
-      </p:grpSp>
-      <p:graphicFrame>
-        <p:nvGraphicFramePr>
-          <p:cNvPr id="25" name="Diagramme 24"/>
-          <p:cNvGraphicFramePr/>
-          <p:nvPr>
-            <p:extLst>
-              <p:ext uri="{D42A27DB-BD31-4B8C-83A1-F6EECF244321}">
-                <p14:modId xmlns:p14="http://schemas.microsoft.com/office/powerpoint/2010/main" val="1673229982"/>
-              </p:ext>
-            </p:extLst>
-          </p:nvPr>
-        </p:nvGraphicFramePr>
-        <p:xfrm>
-          <a:off x="7731430" y="2455788"/>
-          <a:ext cx="2760108" cy="1521677"/>
-        </p:xfrm>
-        <a:graphic>
-          <a:graphicData uri="http://schemas.openxmlformats.org/drawingml/2006/diagram">
-            <dgm:relIds xmlns:dgm="http://schemas.openxmlformats.org/drawingml/2006/diagram" xmlns:r="http://schemas.openxmlformats.org/officeDocument/2006/relationships" r:dm="rId7" r:lo="rId8" r:qs="rId9" r:cs="rId10"/>
-          </a:graphicData>
-        </a:graphic>
-      </p:graphicFrame>
-      <p:grpSp>
-        <p:nvGrpSpPr>
-          <p:cNvPr id="26" name="Groupe 25"/>
-          <p:cNvGrpSpPr/>
-          <p:nvPr/>
-        </p:nvGrpSpPr>
-        <p:grpSpPr>
-          <a:xfrm>
-            <a:off x="3227627" y="4831875"/>
-            <a:ext cx="2726280" cy="1855035"/>
-            <a:chOff x="0" y="1461"/>
-            <a:chExt cx="2533692" cy="1520215"/>
-          </a:xfrm>
-        </p:grpSpPr>
-        <p:sp>
-          <p:nvSpPr>
-            <p:cNvPr id="27" name="Rectangle 26"/>
-            <p:cNvSpPr/>
-            <p:nvPr/>
-          </p:nvSpPr>
-          <p:spPr>
-            <a:xfrm>
-              <a:off x="0" y="1461"/>
-              <a:ext cx="2533692" cy="1520215"/>
-            </a:xfrm>
-            <a:prstGeom prst="rect">
-              <a:avLst/>
-            </a:prstGeom>
-          </p:spPr>
-          <p:style>
-            <a:lnRef idx="2">
-              <a:schemeClr val="lt1">
-                <a:hueOff val="0"/>
-                <a:satOff val="0"/>
-                <a:lumOff val="0"/>
-                <a:alphaOff val="0"/>
-              </a:schemeClr>
-            </a:lnRef>
-            <a:fillRef idx="1">
-              <a:schemeClr val="accent2">
-                <a:hueOff val="0"/>
-                <a:satOff val="0"/>
-                <a:lumOff val="0"/>
-                <a:alphaOff val="0"/>
-              </a:schemeClr>
-            </a:fillRef>
-            <a:effectRef idx="0">
-              <a:schemeClr val="accent2">
-                <a:hueOff val="0"/>
-                <a:satOff val="0"/>
-                <a:lumOff val="0"/>
-                <a:alphaOff val="0"/>
-              </a:schemeClr>
-            </a:effectRef>
-            <a:fontRef idx="minor">
-              <a:schemeClr val="lt1"/>
-            </a:fontRef>
-          </p:style>
-        </p:sp>
-        <p:sp>
-          <p:nvSpPr>
-            <p:cNvPr id="28" name="ZoneTexte 27"/>
-            <p:cNvSpPr txBox="1"/>
-            <p:nvPr/>
-          </p:nvSpPr>
-          <p:spPr>
-            <a:xfrm>
-              <a:off x="0" y="1461"/>
-              <a:ext cx="2533692" cy="1520215"/>
-            </a:xfrm>
-            <a:prstGeom prst="rect">
-              <a:avLst/>
-            </a:prstGeom>
-          </p:spPr>
-          <p:style>
-            <a:lnRef idx="0">
-              <a:scrgbClr r="0" g="0" b="0"/>
-            </a:lnRef>
-            <a:fillRef idx="0">
-              <a:scrgbClr r="0" g="0" b="0"/>
-            </a:fillRef>
-            <a:effectRef idx="0">
-              <a:scrgbClr r="0" g="0" b="0"/>
-            </a:effectRef>
-            <a:fontRef idx="minor">
-              <a:schemeClr val="lt1"/>
-            </a:fontRef>
-          </p:style>
-          <p:txBody>
-            <a:bodyPr spcFirstLastPara="0" vert="horz" wrap="square" lIns="198120" tIns="198120" rIns="198120" bIns="198120" numCol="1" spcCol="1270" anchor="ctr" anchorCtr="0">
-              <a:noAutofit/>
-            </a:bodyPr>
-            <a:lstStyle/>
-            <a:p>
-              <a:pPr marL="0" lvl="0" indent="0" defTabSz="2311400">
-                <a:lnSpc>
-                  <a:spcPct val="150000"/>
-                </a:lnSpc>
-                <a:spcBef>
-                  <a:spcPct val="0"/>
-                </a:spcBef>
-                <a:spcAft>
-                  <a:spcPct val="35000"/>
-                </a:spcAft>
-                <a:buNone/>
-              </a:pPr>
-              <a:r>
-                <a:rPr lang="fr-FR" sz="1500" kern="1200" dirty="0"/>
-                <a:t>-MyAlgorithm : </a:t>
-              </a:r>
-              <a:r>
-                <a:rPr lang="fr-FR" sz="1300" kern="1200" dirty="0" err="1"/>
-                <a:t>Adrien,Julien</a:t>
-              </a:r>
-              <a:endParaRPr lang="fr-FR" sz="1300" kern="1200" dirty="0"/>
-            </a:p>
-            <a:p>
-              <a:pPr marL="0" lvl="0" indent="0" defTabSz="2311400">
-                <a:lnSpc>
-                  <a:spcPct val="150000"/>
-                </a:lnSpc>
-                <a:spcBef>
-                  <a:spcPct val="0"/>
-                </a:spcBef>
-                <a:spcAft>
-                  <a:spcPct val="35000"/>
-                </a:spcAft>
-                <a:buNone/>
-              </a:pPr>
-              <a:r>
-                <a:rPr lang="fr-FR" sz="1500" dirty="0"/>
-                <a:t>-Solution : </a:t>
-              </a:r>
-              <a:r>
-                <a:rPr lang="fr-FR" sz="1300" dirty="0"/>
-                <a:t>Daniel, Julien</a:t>
-              </a:r>
-            </a:p>
-            <a:p>
-              <a:pPr marL="0" lvl="0" indent="0" defTabSz="2311400">
-                <a:lnSpc>
-                  <a:spcPct val="150000"/>
-                </a:lnSpc>
-                <a:spcBef>
-                  <a:spcPct val="0"/>
-                </a:spcBef>
-                <a:spcAft>
-                  <a:spcPct val="35000"/>
-                </a:spcAft>
-                <a:buNone/>
-              </a:pPr>
-              <a:r>
-                <a:rPr lang="fr-FR" sz="1500" kern="1200" dirty="0"/>
-                <a:t>-SetUpParams : </a:t>
-              </a:r>
-              <a:r>
-                <a:rPr lang="fr-FR" sz="1300" kern="1200" dirty="0"/>
-                <a:t>Julien</a:t>
-              </a:r>
-            </a:p>
-            <a:p>
-              <a:pPr marL="0" lvl="0" indent="0" defTabSz="2311400">
-                <a:lnSpc>
-                  <a:spcPct val="150000"/>
-                </a:lnSpc>
-                <a:spcBef>
-                  <a:spcPct val="0"/>
-                </a:spcBef>
-                <a:spcAft>
-                  <a:spcPct val="35000"/>
-                </a:spcAft>
-                <a:buNone/>
-              </a:pPr>
-              <a:r>
-                <a:rPr lang="fr-FR" sz="1500" dirty="0"/>
-                <a:t>-</a:t>
-              </a:r>
-              <a:r>
-                <a:rPr lang="fr-FR" sz="1500" kern="1200" dirty="0"/>
-                <a:t>Problem : </a:t>
-              </a:r>
-              <a:r>
-                <a:rPr lang="fr-FR" sz="1300" kern="1200" dirty="0"/>
-                <a:t>Julien</a:t>
-              </a:r>
-            </a:p>
-          </p:txBody>
-        </p:sp>
-      </p:grpSp>
-      <p:grpSp>
-        <p:nvGrpSpPr>
-          <p:cNvPr id="31" name="Groupe 30"/>
-          <p:cNvGrpSpPr/>
-          <p:nvPr/>
-        </p:nvGrpSpPr>
-        <p:grpSpPr>
-          <a:xfrm>
-            <a:off x="6476200" y="4336132"/>
-            <a:ext cx="2299825" cy="494546"/>
-            <a:chOff x="0" y="1910710"/>
-            <a:chExt cx="1756276" cy="336263"/>
-          </a:xfrm>
-        </p:grpSpPr>
-        <p:sp>
-          <p:nvSpPr>
-            <p:cNvPr id="32" name="Rectangle : coins arrondis 31"/>
-            <p:cNvSpPr/>
-            <p:nvPr/>
-          </p:nvSpPr>
-          <p:spPr>
-            <a:xfrm>
-              <a:off x="0" y="1910710"/>
-              <a:ext cx="1756276" cy="336263"/>
-            </a:xfrm>
-            <a:prstGeom prst="roundRect">
-              <a:avLst>
-                <a:gd name="adj" fmla="val 10000"/>
-              </a:avLst>
-            </a:prstGeom>
-          </p:spPr>
-          <p:style>
-            <a:lnRef idx="2">
-              <a:schemeClr val="lt1">
-                <a:hueOff val="0"/>
-                <a:satOff val="0"/>
-                <a:lumOff val="0"/>
-                <a:alphaOff val="0"/>
-              </a:schemeClr>
-            </a:lnRef>
-            <a:fillRef idx="1">
-              <a:schemeClr val="accent1">
-                <a:hueOff val="0"/>
-                <a:satOff val="0"/>
-                <a:lumOff val="0"/>
-                <a:alphaOff val="0"/>
-              </a:schemeClr>
-            </a:fillRef>
-            <a:effectRef idx="0">
-              <a:schemeClr val="accent1">
-                <a:hueOff val="0"/>
-                <a:satOff val="0"/>
-                <a:lumOff val="0"/>
-                <a:alphaOff val="0"/>
-              </a:schemeClr>
-            </a:effectRef>
-            <a:fontRef idx="minor">
-              <a:schemeClr val="lt1"/>
-            </a:fontRef>
-          </p:style>
-        </p:sp>
-        <p:sp>
-          <p:nvSpPr>
-            <p:cNvPr id="33" name="Rectangle : coins arrondis 4"/>
-            <p:cNvSpPr txBox="1"/>
-            <p:nvPr/>
-          </p:nvSpPr>
-          <p:spPr>
-            <a:xfrm>
-              <a:off x="9849" y="1920559"/>
-              <a:ext cx="1736578" cy="316565"/>
-            </a:xfrm>
-            <a:prstGeom prst="rect">
-              <a:avLst/>
-            </a:prstGeom>
-          </p:spPr>
-          <p:style>
-            <a:lnRef idx="0">
-              <a:scrgbClr r="0" g="0" b="0"/>
-            </a:lnRef>
-            <a:fillRef idx="0">
-              <a:scrgbClr r="0" g="0" b="0"/>
-            </a:fillRef>
-            <a:effectRef idx="0">
-              <a:scrgbClr r="0" g="0" b="0"/>
-            </a:effectRef>
-            <a:fontRef idx="minor">
-              <a:schemeClr val="lt1"/>
-            </a:fontRef>
-          </p:style>
-          <p:txBody>
-            <a:bodyPr spcFirstLastPara="0" vert="horz" wrap="square" lIns="19050" tIns="12700" rIns="19050" bIns="12700" numCol="1" spcCol="1270" anchor="ctr" anchorCtr="0">
-              <a:noAutofit/>
-            </a:bodyPr>
-            <a:lstStyle/>
-            <a:p>
-              <a:pPr marL="0" lvl="0" indent="0" algn="ctr" defTabSz="444500">
-                <a:lnSpc>
-                  <a:spcPct val="90000"/>
-                </a:lnSpc>
-                <a:spcBef>
-                  <a:spcPct val="0"/>
-                </a:spcBef>
-                <a:spcAft>
-                  <a:spcPct val="35000"/>
-                </a:spcAft>
-                <a:buNone/>
-              </a:pPr>
-              <a:r>
-                <a:rPr lang="fr-FR" sz="1700" kern="1200" dirty="0"/>
-                <a:t>Benchmarks</a:t>
-              </a:r>
-            </a:p>
-          </p:txBody>
-        </p:sp>
-      </p:grpSp>
-    </p:spTree>
-    <p:extLst>
-      <p:ext uri="{BB962C8B-B14F-4D97-AF65-F5344CB8AC3E}">
-        <p14:creationId xmlns:p14="http://schemas.microsoft.com/office/powerpoint/2010/main" val="490328893"/>
-      </p:ext>
-    </p:extLst>
-  </p:cSld>
-  <p:clrMapOvr>
-    <a:masterClrMapping/>
-  </p:clrMapOvr>
-  <p:timing>
-    <p:tnLst>
-      <p:par>
-        <p:cTn id="1" dur="indefinite" restart="never" nodeType="tmRoot"/>
-      </p:par>
-    </p:tnLst>
-  </p:timing>
-</p:sld>
-</file>
-
-<file path=ppt/slides/slide11.xml><?xml version="1.0" encoding="utf-8"?>
 <p:sld xmlns:a="http://schemas.openxmlformats.org/drawingml/2006/main" xmlns:r="http://schemas.openxmlformats.org/officeDocument/2006/relationships" xmlns:p="http://schemas.openxmlformats.org/presentationml/2006/main">
   <p:cSld>
     <p:spTree>
@@ -17923,7 +17243,7 @@
           <a:p>
             <a:fld id="{4FAB73BC-B049-4115-A692-8D63A059BFB8}" type="slidenum">
               <a:rPr lang="en-US" smtClean="0"/>
-              <a:t>11</a:t>
+              <a:t>10</a:t>
             </a:fld>
             <a:endParaRPr lang="en-US" dirty="0"/>
           </a:p>
@@ -17971,6 +17291,101 @@
 </p:sld>
 </file>
 
+<file path=ppt/slides/slide11.xml><?xml version="1.0" encoding="utf-8"?>
+<p:sld xmlns:a="http://schemas.openxmlformats.org/drawingml/2006/main" xmlns:r="http://schemas.openxmlformats.org/officeDocument/2006/relationships" xmlns:p="http://schemas.openxmlformats.org/presentationml/2006/main">
+  <p:cSld>
+    <p:spTree>
+      <p:nvGrpSpPr>
+        <p:cNvPr id="1" name=""/>
+        <p:cNvGrpSpPr/>
+        <p:nvPr/>
+      </p:nvGrpSpPr>
+      <p:grpSpPr>
+        <a:xfrm>
+          <a:off x="0" y="0"/>
+          <a:ext cx="0" cy="0"/>
+          <a:chOff x="0" y="0"/>
+          <a:chExt cx="0" cy="0"/>
+        </a:xfrm>
+      </p:grpSpPr>
+      <p:sp>
+        <p:nvSpPr>
+          <p:cNvPr id="2" name="Titre 1"/>
+          <p:cNvSpPr>
+            <a:spLocks noGrp="1"/>
+          </p:cNvSpPr>
+          <p:nvPr>
+            <p:ph type="title"/>
+          </p:nvPr>
+        </p:nvSpPr>
+        <p:spPr/>
+        <p:txBody>
+          <a:bodyPr/>
+          <a:lstStyle/>
+          <a:p>
+            <a:r>
+              <a:rPr lang="fr-FR" dirty="0" smtClean="0"/>
+              <a:t>IV) Démonstration</a:t>
+            </a:r>
+            <a:endParaRPr lang="fr-FR" dirty="0"/>
+          </a:p>
+        </p:txBody>
+      </p:sp>
+      <p:sp>
+        <p:nvSpPr>
+          <p:cNvPr id="3" name="Espace réservé du contenu 2"/>
+          <p:cNvSpPr>
+            <a:spLocks noGrp="1"/>
+          </p:cNvSpPr>
+          <p:nvPr>
+            <p:ph idx="1"/>
+          </p:nvPr>
+        </p:nvSpPr>
+        <p:spPr/>
+        <p:txBody>
+          <a:bodyPr/>
+          <a:lstStyle/>
+          <a:p>
+            <a:endParaRPr lang="fr-FR"/>
+          </a:p>
+        </p:txBody>
+      </p:sp>
+      <p:sp>
+        <p:nvSpPr>
+          <p:cNvPr id="5" name="Espace réservé du numéro de diapositive 4"/>
+          <p:cNvSpPr>
+            <a:spLocks noGrp="1"/>
+          </p:cNvSpPr>
+          <p:nvPr>
+            <p:ph type="sldNum" sz="quarter" idx="12"/>
+          </p:nvPr>
+        </p:nvSpPr>
+        <p:spPr/>
+        <p:txBody>
+          <a:bodyPr/>
+          <a:lstStyle/>
+          <a:p>
+            <a:fld id="{4FAB73BC-B049-4115-A692-8D63A059BFB8}" type="slidenum">
+              <a:rPr lang="en-US" smtClean="0"/>
+              <a:t>11</a:t>
+            </a:fld>
+            <a:endParaRPr lang="en-US" dirty="0"/>
+          </a:p>
+        </p:txBody>
+      </p:sp>
+    </p:spTree>
+    <p:extLst>
+      <p:ext uri="{BB962C8B-B14F-4D97-AF65-F5344CB8AC3E}">
+        <p14:creationId xmlns:p14="http://schemas.microsoft.com/office/powerpoint/2010/main" val="4035123161"/>
+      </p:ext>
+    </p:extLst>
+  </p:cSld>
+  <p:clrMapOvr>
+    <a:masterClrMapping/>
+  </p:clrMapOvr>
+</p:sld>
+</file>
+
 <file path=ppt/slides/slide12.xml><?xml version="1.0" encoding="utf-8"?>
 <p:sld xmlns:a="http://schemas.openxmlformats.org/drawingml/2006/main" xmlns:r="http://schemas.openxmlformats.org/officeDocument/2006/relationships" xmlns:p="http://schemas.openxmlformats.org/presentationml/2006/main">
   <p:cSld>
@@ -18004,9 +17419,10 @@
           <a:lstStyle/>
           <a:p>
             <a:r>
-              <a:rPr lang="fr-FR" dirty="0"/>
-              <a:t>Conclusion</a:t>
+              <a:rPr lang="fr-FR" dirty="0" smtClean="0"/>
+              <a:t>V) Conclusion</a:t>
             </a:r>
+            <a:endParaRPr lang="fr-FR" dirty="0"/>
           </a:p>
         </p:txBody>
       </p:sp>
@@ -18113,8 +17529,13 @@
             </a:pPr>
             <a:r>
               <a:rPr lang="fr-FR" dirty="0"/>
-              <a:t>I) Introduction</a:t>
+              <a:t>I</a:t>
             </a:r>
+            <a:r>
+              <a:rPr lang="fr-FR" dirty="0" smtClean="0"/>
+              <a:t>)	Introduction</a:t>
+            </a:r>
+            <a:endParaRPr lang="fr-FR" dirty="0"/>
           </a:p>
           <a:p>
             <a:pPr>
@@ -18123,7 +17544,15 @@
             </a:pPr>
             <a:r>
               <a:rPr lang="fr-FR" dirty="0"/>
-              <a:t>II) Algorithme ABC</a:t>
+              <a:t>II</a:t>
+            </a:r>
+            <a:r>
+              <a:rPr lang="fr-FR" dirty="0" smtClean="0"/>
+              <a:t>)	Algorithme </a:t>
+            </a:r>
+            <a:r>
+              <a:rPr lang="fr-FR" dirty="0"/>
+              <a:t>ABC</a:t>
             </a:r>
           </a:p>
           <a:p>
@@ -18152,9 +17581,10 @@
               <a:buChar char="§"/>
             </a:pPr>
             <a:r>
-              <a:rPr lang="fr-FR" dirty="0"/>
-              <a:t>III) Projet</a:t>
+              <a:rPr lang="fr-FR" dirty="0" smtClean="0"/>
+              <a:t>III)	Projet</a:t>
             </a:r>
+            <a:endParaRPr lang="fr-FR" dirty="0"/>
           </a:p>
           <a:p>
             <a:pPr lvl="1">
@@ -18183,8 +17613,23 @@
             </a:pPr>
             <a:r>
               <a:rPr lang="fr-FR" dirty="0"/>
-              <a:t>IV) Conclusion</a:t>
+              <a:t>IV</a:t>
             </a:r>
+            <a:r>
+              <a:rPr lang="fr-FR" dirty="0" smtClean="0"/>
+              <a:t>)	Démonstration</a:t>
+            </a:r>
+          </a:p>
+          <a:p>
+            <a:pPr>
+              <a:buFont typeface="Wingdings" panose="05000000000000000000" pitchFamily="2" charset="2"/>
+              <a:buChar char="§"/>
+            </a:pPr>
+            <a:r>
+              <a:rPr lang="fr-FR" dirty="0" smtClean="0"/>
+              <a:t>V)	Conclusion</a:t>
+            </a:r>
+            <a:endParaRPr lang="fr-FR" dirty="0"/>
           </a:p>
         </p:txBody>
       </p:sp>
@@ -23063,149 +22508,1196 @@
       </p:sp>
       <p:sp>
         <p:nvSpPr>
-          <p:cNvPr id="3" name="ZoneTexte 2"/>
-          <p:cNvSpPr txBox="1"/>
+          <p:cNvPr id="10" name="Rectangle : coins arrondis 7"/>
+          <p:cNvSpPr/>
           <p:nvPr/>
         </p:nvSpPr>
         <p:spPr>
           <a:xfrm>
-            <a:off x="595423" y="2371061"/>
-            <a:ext cx="2801151" cy="1477328"/>
+            <a:off x="1326922" y="2354928"/>
+            <a:ext cx="2813106" cy="494546"/>
           </a:xfrm>
-          <a:prstGeom prst="rect">
-            <a:avLst/>
+          <a:prstGeom prst="roundRect">
+            <a:avLst>
+              <a:gd name="adj" fmla="val 10000"/>
+            </a:avLst>
           </a:prstGeom>
-          <a:noFill/>
         </p:spPr>
+        <p:style>
+          <a:lnRef idx="2">
+            <a:schemeClr val="lt1">
+              <a:hueOff val="0"/>
+              <a:satOff val="0"/>
+              <a:lumOff val="0"/>
+              <a:alphaOff val="0"/>
+            </a:schemeClr>
+          </a:lnRef>
+          <a:fillRef idx="1">
+            <a:schemeClr val="accent1">
+              <a:hueOff val="0"/>
+              <a:satOff val="0"/>
+              <a:lumOff val="0"/>
+              <a:alphaOff val="0"/>
+            </a:schemeClr>
+          </a:fillRef>
+          <a:effectRef idx="0">
+            <a:schemeClr val="accent1">
+              <a:hueOff val="0"/>
+              <a:satOff val="0"/>
+              <a:lumOff val="0"/>
+              <a:alphaOff val="0"/>
+            </a:schemeClr>
+          </a:effectRef>
+          <a:fontRef idx="minor">
+            <a:schemeClr val="lt1"/>
+          </a:fontRef>
+        </p:style>
         <p:txBody>
-          <a:bodyPr wrap="none" rtlCol="0">
-            <a:spAutoFit/>
-          </a:bodyPr>
+          <a:bodyPr/>
           <a:lstStyle/>
           <a:p>
+            <a:pPr algn="ctr"/>
             <a:r>
-              <a:rPr lang="fr-FR" dirty="0"/>
-              <a:t>Evolution</a:t>
-            </a:r>
-          </a:p>
-          <a:p>
-            <a:pPr marL="285750" indent="-285750">
-              <a:buFontTx/>
-              <a:buChar char="-"/>
-            </a:pPr>
-            <a:r>
-              <a:rPr lang="fr-FR" dirty="0" err="1"/>
-              <a:t>Send</a:t>
-            </a:r>
-            <a:r>
-              <a:rPr lang="fr-FR" dirty="0"/>
-              <a:t> </a:t>
-            </a:r>
-            <a:r>
-              <a:rPr lang="fr-FR" dirty="0" err="1"/>
-              <a:t>Employed</a:t>
-            </a:r>
-            <a:r>
-              <a:rPr lang="fr-FR" dirty="0"/>
-              <a:t> </a:t>
-            </a:r>
-            <a:r>
-              <a:rPr lang="fr-FR" dirty="0" err="1"/>
-              <a:t>Bees</a:t>
-            </a:r>
-            <a:endParaRPr lang="fr-FR" dirty="0"/>
-          </a:p>
-          <a:p>
-            <a:pPr marL="285750" indent="-285750">
-              <a:buFontTx/>
-              <a:buChar char="-"/>
-            </a:pPr>
-            <a:r>
-              <a:rPr lang="fr-FR" dirty="0" err="1"/>
-              <a:t>Calculate</a:t>
-            </a:r>
-            <a:r>
-              <a:rPr lang="fr-FR" dirty="0"/>
-              <a:t> </a:t>
-            </a:r>
-            <a:r>
-              <a:rPr lang="fr-FR" dirty="0" err="1"/>
-              <a:t>Probabilities</a:t>
-            </a:r>
-            <a:endParaRPr lang="fr-FR" dirty="0"/>
-          </a:p>
-          <a:p>
-            <a:pPr marL="285750" indent="-285750">
-              <a:buFontTx/>
-              <a:buChar char="-"/>
-            </a:pPr>
-            <a:r>
-              <a:rPr lang="fr-FR" dirty="0" err="1"/>
-              <a:t>Send</a:t>
-            </a:r>
-            <a:r>
-              <a:rPr lang="fr-FR" dirty="0"/>
-              <a:t> </a:t>
-            </a:r>
-            <a:r>
-              <a:rPr lang="fr-FR" dirty="0" err="1"/>
-              <a:t>OnLooker</a:t>
-            </a:r>
-            <a:r>
-              <a:rPr lang="fr-FR" dirty="0"/>
-              <a:t> </a:t>
-            </a:r>
-            <a:r>
-              <a:rPr lang="fr-FR" dirty="0" err="1"/>
-              <a:t>Bees</a:t>
-            </a:r>
-            <a:endParaRPr lang="fr-FR" dirty="0"/>
-          </a:p>
-          <a:p>
-            <a:pPr marL="285750" indent="-285750">
-              <a:buFontTx/>
-              <a:buChar char="-"/>
-            </a:pPr>
-            <a:r>
-              <a:rPr lang="fr-FR" dirty="0" err="1"/>
-              <a:t>Send</a:t>
-            </a:r>
-            <a:r>
-              <a:rPr lang="fr-FR" dirty="0"/>
-              <a:t> Scout </a:t>
-            </a:r>
-            <a:r>
-              <a:rPr lang="fr-FR" dirty="0" err="1"/>
-              <a:t>Bees</a:t>
+              <a:rPr lang="fr-FR" dirty="0" smtClean="0"/>
+              <a:t>Exécution</a:t>
             </a:r>
             <a:endParaRPr lang="fr-FR" dirty="0"/>
           </a:p>
         </p:txBody>
       </p:sp>
+      <p:grpSp>
+        <p:nvGrpSpPr>
+          <p:cNvPr id="15" name="Groupe 14"/>
+          <p:cNvGrpSpPr/>
+          <p:nvPr/>
+        </p:nvGrpSpPr>
+        <p:grpSpPr>
+          <a:xfrm>
+            <a:off x="1326922" y="2849475"/>
+            <a:ext cx="2813106" cy="1855035"/>
+            <a:chOff x="-2237753" y="-419227"/>
+            <a:chExt cx="2533692" cy="1520215"/>
+          </a:xfrm>
+        </p:grpSpPr>
+        <p:sp>
+          <p:nvSpPr>
+            <p:cNvPr id="16" name="Rectangle 15"/>
+            <p:cNvSpPr/>
+            <p:nvPr/>
+          </p:nvSpPr>
+          <p:spPr>
+            <a:xfrm>
+              <a:off x="-2237753" y="-419227"/>
+              <a:ext cx="2533692" cy="1520215"/>
+            </a:xfrm>
+            <a:prstGeom prst="rect">
+              <a:avLst/>
+            </a:prstGeom>
+          </p:spPr>
+          <p:style>
+            <a:lnRef idx="2">
+              <a:schemeClr val="lt1">
+                <a:hueOff val="0"/>
+                <a:satOff val="0"/>
+                <a:lumOff val="0"/>
+                <a:alphaOff val="0"/>
+              </a:schemeClr>
+            </a:lnRef>
+            <a:fillRef idx="1">
+              <a:schemeClr val="accent2">
+                <a:hueOff val="0"/>
+                <a:satOff val="0"/>
+                <a:lumOff val="0"/>
+                <a:alphaOff val="0"/>
+              </a:schemeClr>
+            </a:fillRef>
+            <a:effectRef idx="0">
+              <a:schemeClr val="accent2">
+                <a:hueOff val="0"/>
+                <a:satOff val="0"/>
+                <a:lumOff val="0"/>
+                <a:alphaOff val="0"/>
+              </a:schemeClr>
+            </a:effectRef>
+            <a:fontRef idx="minor">
+              <a:schemeClr val="lt1"/>
+            </a:fontRef>
+          </p:style>
+        </p:sp>
+        <p:sp>
+          <p:nvSpPr>
+            <p:cNvPr id="17" name="ZoneTexte 16"/>
+            <p:cNvSpPr txBox="1"/>
+            <p:nvPr/>
+          </p:nvSpPr>
+          <p:spPr>
+            <a:xfrm>
+              <a:off x="-2237753" y="-419227"/>
+              <a:ext cx="2533692" cy="1520215"/>
+            </a:xfrm>
+            <a:prstGeom prst="rect">
+              <a:avLst/>
+            </a:prstGeom>
+          </p:spPr>
+          <p:style>
+            <a:lnRef idx="0">
+              <a:scrgbClr r="0" g="0" b="0"/>
+            </a:lnRef>
+            <a:fillRef idx="0">
+              <a:scrgbClr r="0" g="0" b="0"/>
+            </a:fillRef>
+            <a:effectRef idx="0">
+              <a:scrgbClr r="0" g="0" b="0"/>
+            </a:effectRef>
+            <a:fontRef idx="minor">
+              <a:schemeClr val="lt1"/>
+            </a:fontRef>
+          </p:style>
+          <p:txBody>
+            <a:bodyPr spcFirstLastPara="0" vert="horz" wrap="square" lIns="198120" tIns="198120" rIns="198120" bIns="198120" numCol="1" spcCol="1270" anchor="ctr" anchorCtr="0">
+              <a:noAutofit/>
+            </a:bodyPr>
+            <a:lstStyle/>
+            <a:p>
+              <a:endParaRPr lang="fr-FR" sz="1600" dirty="0" smtClean="0">
+                <a:solidFill>
+                  <a:schemeClr val="bg1">
+                    <a:lumMod val="85000"/>
+                    <a:lumOff val="15000"/>
+                  </a:schemeClr>
+                </a:solidFill>
+              </a:endParaRPr>
+            </a:p>
+            <a:p>
+              <a:r>
+                <a:rPr lang="fr-FR" sz="1600" dirty="0" smtClean="0">
+                  <a:solidFill>
+                    <a:schemeClr val="bg1">
+                      <a:lumMod val="85000"/>
+                      <a:lumOff val="15000"/>
+                    </a:schemeClr>
+                  </a:solidFill>
+                </a:rPr>
+                <a:t>Evolution</a:t>
+              </a:r>
+              <a:endParaRPr lang="fr-FR" sz="1600" dirty="0">
+                <a:solidFill>
+                  <a:schemeClr val="bg1">
+                    <a:lumMod val="85000"/>
+                    <a:lumOff val="15000"/>
+                  </a:schemeClr>
+                </a:solidFill>
+              </a:endParaRPr>
+            </a:p>
+            <a:p>
+              <a:pPr marL="285750" indent="-285750">
+                <a:buFontTx/>
+                <a:buChar char="-"/>
+              </a:pPr>
+              <a:r>
+                <a:rPr lang="fr-FR" sz="1600" dirty="0" err="1">
+                  <a:solidFill>
+                    <a:schemeClr val="bg1">
+                      <a:lumMod val="85000"/>
+                      <a:lumOff val="15000"/>
+                    </a:schemeClr>
+                  </a:solidFill>
+                </a:rPr>
+                <a:t>Send</a:t>
+              </a:r>
+              <a:r>
+                <a:rPr lang="fr-FR" sz="1600" dirty="0">
+                  <a:solidFill>
+                    <a:schemeClr val="bg1">
+                      <a:lumMod val="85000"/>
+                      <a:lumOff val="15000"/>
+                    </a:schemeClr>
+                  </a:solidFill>
+                </a:rPr>
+                <a:t> </a:t>
+              </a:r>
+              <a:r>
+                <a:rPr lang="fr-FR" sz="1600" dirty="0" err="1">
+                  <a:solidFill>
+                    <a:schemeClr val="bg1">
+                      <a:lumMod val="85000"/>
+                      <a:lumOff val="15000"/>
+                    </a:schemeClr>
+                  </a:solidFill>
+                </a:rPr>
+                <a:t>Employed</a:t>
+              </a:r>
+              <a:r>
+                <a:rPr lang="fr-FR" sz="1600" dirty="0">
+                  <a:solidFill>
+                    <a:schemeClr val="bg1">
+                      <a:lumMod val="85000"/>
+                      <a:lumOff val="15000"/>
+                    </a:schemeClr>
+                  </a:solidFill>
+                </a:rPr>
+                <a:t> </a:t>
+              </a:r>
+              <a:r>
+                <a:rPr lang="fr-FR" sz="1600" dirty="0" err="1">
+                  <a:solidFill>
+                    <a:schemeClr val="bg1">
+                      <a:lumMod val="85000"/>
+                      <a:lumOff val="15000"/>
+                    </a:schemeClr>
+                  </a:solidFill>
+                </a:rPr>
+                <a:t>Bees</a:t>
+              </a:r>
+              <a:endParaRPr lang="fr-FR" sz="1600" dirty="0">
+                <a:solidFill>
+                  <a:schemeClr val="bg1">
+                    <a:lumMod val="85000"/>
+                    <a:lumOff val="15000"/>
+                  </a:schemeClr>
+                </a:solidFill>
+              </a:endParaRPr>
+            </a:p>
+            <a:p>
+              <a:pPr marL="285750" indent="-285750">
+                <a:buFontTx/>
+                <a:buChar char="-"/>
+              </a:pPr>
+              <a:r>
+                <a:rPr lang="fr-FR" sz="1600" dirty="0" err="1">
+                  <a:solidFill>
+                    <a:schemeClr val="bg1">
+                      <a:lumMod val="85000"/>
+                      <a:lumOff val="15000"/>
+                    </a:schemeClr>
+                  </a:solidFill>
+                </a:rPr>
+                <a:t>Calculate</a:t>
+              </a:r>
+              <a:r>
+                <a:rPr lang="fr-FR" sz="1600" dirty="0">
+                  <a:solidFill>
+                    <a:schemeClr val="bg1">
+                      <a:lumMod val="85000"/>
+                      <a:lumOff val="15000"/>
+                    </a:schemeClr>
+                  </a:solidFill>
+                </a:rPr>
+                <a:t> </a:t>
+              </a:r>
+              <a:r>
+                <a:rPr lang="fr-FR" sz="1600" dirty="0" err="1">
+                  <a:solidFill>
+                    <a:schemeClr val="bg1">
+                      <a:lumMod val="85000"/>
+                      <a:lumOff val="15000"/>
+                    </a:schemeClr>
+                  </a:solidFill>
+                </a:rPr>
+                <a:t>Probabilities</a:t>
+              </a:r>
+              <a:endParaRPr lang="fr-FR" sz="1600" dirty="0">
+                <a:solidFill>
+                  <a:schemeClr val="bg1">
+                    <a:lumMod val="85000"/>
+                    <a:lumOff val="15000"/>
+                  </a:schemeClr>
+                </a:solidFill>
+              </a:endParaRPr>
+            </a:p>
+            <a:p>
+              <a:pPr marL="285750" indent="-285750">
+                <a:buFontTx/>
+                <a:buChar char="-"/>
+              </a:pPr>
+              <a:r>
+                <a:rPr lang="fr-FR" sz="1600" dirty="0" err="1">
+                  <a:solidFill>
+                    <a:schemeClr val="bg1">
+                      <a:lumMod val="85000"/>
+                      <a:lumOff val="15000"/>
+                    </a:schemeClr>
+                  </a:solidFill>
+                </a:rPr>
+                <a:t>Send</a:t>
+              </a:r>
+              <a:r>
+                <a:rPr lang="fr-FR" sz="1600" dirty="0">
+                  <a:solidFill>
+                    <a:schemeClr val="bg1">
+                      <a:lumMod val="85000"/>
+                      <a:lumOff val="15000"/>
+                    </a:schemeClr>
+                  </a:solidFill>
+                </a:rPr>
+                <a:t> </a:t>
+              </a:r>
+              <a:r>
+                <a:rPr lang="fr-FR" sz="1600" dirty="0" err="1">
+                  <a:solidFill>
+                    <a:schemeClr val="bg1">
+                      <a:lumMod val="85000"/>
+                      <a:lumOff val="15000"/>
+                    </a:schemeClr>
+                  </a:solidFill>
+                </a:rPr>
+                <a:t>OnLooker</a:t>
+              </a:r>
+              <a:r>
+                <a:rPr lang="fr-FR" sz="1600" dirty="0">
+                  <a:solidFill>
+                    <a:schemeClr val="bg1">
+                      <a:lumMod val="85000"/>
+                      <a:lumOff val="15000"/>
+                    </a:schemeClr>
+                  </a:solidFill>
+                </a:rPr>
+                <a:t> </a:t>
+              </a:r>
+              <a:r>
+                <a:rPr lang="fr-FR" sz="1600" dirty="0" err="1">
+                  <a:solidFill>
+                    <a:schemeClr val="bg1">
+                      <a:lumMod val="85000"/>
+                      <a:lumOff val="15000"/>
+                    </a:schemeClr>
+                  </a:solidFill>
+                </a:rPr>
+                <a:t>Bees</a:t>
+              </a:r>
+              <a:endParaRPr lang="fr-FR" sz="1600" dirty="0">
+                <a:solidFill>
+                  <a:schemeClr val="bg1">
+                    <a:lumMod val="85000"/>
+                    <a:lumOff val="15000"/>
+                  </a:schemeClr>
+                </a:solidFill>
+              </a:endParaRPr>
+            </a:p>
+            <a:p>
+              <a:pPr marL="285750" indent="-285750">
+                <a:buFontTx/>
+                <a:buChar char="-"/>
+              </a:pPr>
+              <a:r>
+                <a:rPr lang="fr-FR" sz="1600" dirty="0" err="1">
+                  <a:solidFill>
+                    <a:schemeClr val="bg1">
+                      <a:lumMod val="85000"/>
+                      <a:lumOff val="15000"/>
+                    </a:schemeClr>
+                  </a:solidFill>
+                </a:rPr>
+                <a:t>Send</a:t>
+              </a:r>
+              <a:r>
+                <a:rPr lang="fr-FR" sz="1600" dirty="0">
+                  <a:solidFill>
+                    <a:schemeClr val="bg1">
+                      <a:lumMod val="85000"/>
+                      <a:lumOff val="15000"/>
+                    </a:schemeClr>
+                  </a:solidFill>
+                </a:rPr>
+                <a:t> Scout </a:t>
+              </a:r>
+              <a:r>
+                <a:rPr lang="fr-FR" sz="1600" dirty="0" err="1">
+                  <a:solidFill>
+                    <a:schemeClr val="bg1">
+                      <a:lumMod val="85000"/>
+                      <a:lumOff val="15000"/>
+                    </a:schemeClr>
+                  </a:solidFill>
+                </a:rPr>
+                <a:t>Bees</a:t>
+              </a:r>
+              <a:endParaRPr lang="fr-FR" sz="1600" dirty="0">
+                <a:solidFill>
+                  <a:schemeClr val="bg1">
+                    <a:lumMod val="85000"/>
+                    <a:lumOff val="15000"/>
+                  </a:schemeClr>
+                </a:solidFill>
+              </a:endParaRPr>
+            </a:p>
+            <a:p>
+              <a:pPr marL="0" lvl="0" indent="0" defTabSz="2311400">
+                <a:lnSpc>
+                  <a:spcPct val="150000"/>
+                </a:lnSpc>
+                <a:spcBef>
+                  <a:spcPct val="0"/>
+                </a:spcBef>
+                <a:spcAft>
+                  <a:spcPct val="35000"/>
+                </a:spcAft>
+                <a:buNone/>
+              </a:pPr>
+              <a:endParaRPr lang="fr-FR" sz="1300" kern="1200" dirty="0"/>
+            </a:p>
+          </p:txBody>
+        </p:sp>
+      </p:grpSp>
+      <p:sp>
+        <p:nvSpPr>
+          <p:cNvPr id="18" name="Flèche droite 17"/>
+          <p:cNvSpPr/>
+          <p:nvPr/>
+        </p:nvSpPr>
+        <p:spPr>
+          <a:xfrm>
+            <a:off x="4749628" y="3644528"/>
+            <a:ext cx="1378847" cy="238897"/>
+          </a:xfrm>
+          <a:prstGeom prst="rightArrow">
+            <a:avLst/>
+          </a:prstGeom>
+          <a:ln>
+            <a:noFill/>
+          </a:ln>
+        </p:spPr>
+        <p:style>
+          <a:lnRef idx="2">
+            <a:schemeClr val="accent1">
+              <a:shade val="50000"/>
+            </a:schemeClr>
+          </a:lnRef>
+          <a:fillRef idx="1">
+            <a:schemeClr val="accent1"/>
+          </a:fillRef>
+          <a:effectRef idx="0">
+            <a:schemeClr val="accent1"/>
+          </a:effectRef>
+          <a:fontRef idx="minor">
+            <a:schemeClr val="lt1"/>
+          </a:fontRef>
+        </p:style>
+        <p:txBody>
+          <a:bodyPr rtlCol="0" anchor="ctr"/>
+          <a:lstStyle/>
+          <a:p>
+            <a:pPr algn="ctr"/>
+            <a:endParaRPr lang="fr-FR"/>
+          </a:p>
+        </p:txBody>
+      </p:sp>
+      <p:sp>
+        <p:nvSpPr>
+          <p:cNvPr id="20" name="Rectangle : coins arrondis 7"/>
+          <p:cNvSpPr/>
+          <p:nvPr/>
+        </p:nvSpPr>
+        <p:spPr>
+          <a:xfrm>
+            <a:off x="6128475" y="3562644"/>
+            <a:ext cx="1973109" cy="440577"/>
+          </a:xfrm>
+          <a:prstGeom prst="roundRect">
+            <a:avLst>
+              <a:gd name="adj" fmla="val 10000"/>
+            </a:avLst>
+          </a:prstGeom>
+        </p:spPr>
+        <p:style>
+          <a:lnRef idx="2">
+            <a:schemeClr val="lt1">
+              <a:hueOff val="0"/>
+              <a:satOff val="0"/>
+              <a:lumOff val="0"/>
+              <a:alphaOff val="0"/>
+            </a:schemeClr>
+          </a:lnRef>
+          <a:fillRef idx="1">
+            <a:schemeClr val="accent1">
+              <a:hueOff val="0"/>
+              <a:satOff val="0"/>
+              <a:lumOff val="0"/>
+              <a:alphaOff val="0"/>
+            </a:schemeClr>
+          </a:fillRef>
+          <a:effectRef idx="0">
+            <a:schemeClr val="accent1">
+              <a:hueOff val="0"/>
+              <a:satOff val="0"/>
+              <a:lumOff val="0"/>
+              <a:alphaOff val="0"/>
+            </a:schemeClr>
+          </a:effectRef>
+          <a:fontRef idx="minor">
+            <a:schemeClr val="lt1"/>
+          </a:fontRef>
+        </p:style>
+        <p:txBody>
+          <a:bodyPr/>
+          <a:lstStyle/>
+          <a:p>
+            <a:pPr algn="ctr"/>
+            <a:r>
+              <a:rPr lang="fr-FR" dirty="0" err="1" smtClean="0"/>
+              <a:t>Bees</a:t>
+            </a:r>
+            <a:r>
+              <a:rPr lang="fr-FR" dirty="0" smtClean="0"/>
+              <a:t> </a:t>
+            </a:r>
+            <a:r>
+              <a:rPr lang="fr-FR" dirty="0" err="1" smtClean="0"/>
+              <a:t>Work</a:t>
+            </a:r>
+            <a:endParaRPr lang="fr-FR" dirty="0"/>
+          </a:p>
+        </p:txBody>
+      </p:sp>
+      <p:sp>
+        <p:nvSpPr>
+          <p:cNvPr id="21" name="Rectangle 20"/>
+          <p:cNvSpPr/>
+          <p:nvPr/>
+        </p:nvSpPr>
+        <p:spPr>
+          <a:xfrm>
+            <a:off x="4634295" y="3447444"/>
+            <a:ext cx="177089" cy="633067"/>
+          </a:xfrm>
+          <a:prstGeom prst="rect">
+            <a:avLst/>
+          </a:prstGeom>
+          <a:ln>
+            <a:noFill/>
+          </a:ln>
+        </p:spPr>
+        <p:style>
+          <a:lnRef idx="2">
+            <a:schemeClr val="accent1">
+              <a:shade val="50000"/>
+            </a:schemeClr>
+          </a:lnRef>
+          <a:fillRef idx="1">
+            <a:schemeClr val="accent1"/>
+          </a:fillRef>
+          <a:effectRef idx="0">
+            <a:schemeClr val="accent1"/>
+          </a:effectRef>
+          <a:fontRef idx="minor">
+            <a:schemeClr val="lt1"/>
+          </a:fontRef>
+        </p:style>
+        <p:txBody>
+          <a:bodyPr rtlCol="0" anchor="ctr"/>
+          <a:lstStyle/>
+          <a:p>
+            <a:pPr algn="ctr"/>
+            <a:endParaRPr lang="fr-FR"/>
+          </a:p>
+        </p:txBody>
+      </p:sp>
+      <p:sp>
+        <p:nvSpPr>
+          <p:cNvPr id="22" name="Rectangle 21"/>
+          <p:cNvSpPr/>
+          <p:nvPr/>
+        </p:nvSpPr>
+        <p:spPr>
+          <a:xfrm>
+            <a:off x="3826990" y="3447444"/>
+            <a:ext cx="922638" cy="115200"/>
+          </a:xfrm>
+          <a:prstGeom prst="rect">
+            <a:avLst/>
+          </a:prstGeom>
+          <a:ln>
+            <a:noFill/>
+          </a:ln>
+        </p:spPr>
+        <p:style>
+          <a:lnRef idx="2">
+            <a:schemeClr val="accent1">
+              <a:shade val="50000"/>
+            </a:schemeClr>
+          </a:lnRef>
+          <a:fillRef idx="1">
+            <a:schemeClr val="accent1"/>
+          </a:fillRef>
+          <a:effectRef idx="0">
+            <a:schemeClr val="accent1"/>
+          </a:effectRef>
+          <a:fontRef idx="minor">
+            <a:schemeClr val="lt1"/>
+          </a:fontRef>
+        </p:style>
+        <p:txBody>
+          <a:bodyPr rtlCol="0" anchor="ctr"/>
+          <a:lstStyle/>
+          <a:p>
+            <a:pPr algn="ctr"/>
+            <a:endParaRPr lang="fr-FR"/>
+          </a:p>
+        </p:txBody>
+      </p:sp>
+      <p:sp>
+        <p:nvSpPr>
+          <p:cNvPr id="23" name="Rectangle 22"/>
+          <p:cNvSpPr/>
+          <p:nvPr/>
+        </p:nvSpPr>
+        <p:spPr>
+          <a:xfrm>
+            <a:off x="3826990" y="3975144"/>
+            <a:ext cx="984394" cy="104951"/>
+          </a:xfrm>
+          <a:prstGeom prst="rect">
+            <a:avLst/>
+          </a:prstGeom>
+          <a:ln>
+            <a:noFill/>
+          </a:ln>
+        </p:spPr>
+        <p:style>
+          <a:lnRef idx="2">
+            <a:schemeClr val="accent1">
+              <a:shade val="50000"/>
+            </a:schemeClr>
+          </a:lnRef>
+          <a:fillRef idx="1">
+            <a:schemeClr val="accent1"/>
+          </a:fillRef>
+          <a:effectRef idx="0">
+            <a:schemeClr val="accent1"/>
+          </a:effectRef>
+          <a:fontRef idx="minor">
+            <a:schemeClr val="lt1"/>
+          </a:fontRef>
+        </p:style>
+        <p:txBody>
+          <a:bodyPr rtlCol="0" anchor="ctr"/>
+          <a:lstStyle/>
+          <a:p>
+            <a:pPr algn="ctr"/>
+            <a:endParaRPr lang="fr-FR"/>
+          </a:p>
+        </p:txBody>
+      </p:sp>
       <p:pic>
         <p:nvPicPr>
-          <p:cNvPr id="5" name="Image 4"/>
+          <p:cNvPr id="24" name="Image 23"/>
           <p:cNvPicPr>
             <a:picLocks noChangeAspect="1"/>
           </p:cNvPicPr>
           <p:nvPr/>
         </p:nvPicPr>
         <p:blipFill>
-          <a:blip r:embed="rId2">
-            <a:extLst>
-              <a:ext uri="{28A0092B-C50C-407E-A947-70E740481C1C}">
-                <a14:useLocalDpi xmlns:a14="http://schemas.microsoft.com/office/drawing/2010/main" val="0"/>
-              </a:ext>
-            </a:extLst>
-          </a:blip>
+          <a:blip r:embed="rId2"/>
           <a:stretch>
             <a:fillRect/>
           </a:stretch>
         </p:blipFill>
         <p:spPr>
+          <a:xfrm rot="20663071" flipH="1">
+            <a:off x="6336115" y="2754938"/>
+            <a:ext cx="611220" cy="501200"/>
+          </a:xfrm>
+          <a:prstGeom prst="rect">
+            <a:avLst/>
+          </a:prstGeom>
+        </p:spPr>
+      </p:pic>
+      <p:sp>
+        <p:nvSpPr>
+          <p:cNvPr id="25" name="Rectangle : coins arrondis 7"/>
+          <p:cNvSpPr/>
+          <p:nvPr/>
+        </p:nvSpPr>
+        <p:spPr>
           <a:xfrm>
-            <a:off x="5001061" y="2695439"/>
-            <a:ext cx="5209524" cy="828571"/>
+            <a:off x="4939755" y="5122764"/>
+            <a:ext cx="2401379" cy="494546"/>
+          </a:xfrm>
+          <a:prstGeom prst="roundRect">
+            <a:avLst>
+              <a:gd name="adj" fmla="val 10000"/>
+            </a:avLst>
+          </a:prstGeom>
+        </p:spPr>
+        <p:style>
+          <a:lnRef idx="2">
+            <a:schemeClr val="lt1">
+              <a:hueOff val="0"/>
+              <a:satOff val="0"/>
+              <a:lumOff val="0"/>
+              <a:alphaOff val="0"/>
+            </a:schemeClr>
+          </a:lnRef>
+          <a:fillRef idx="1">
+            <a:schemeClr val="accent1">
+              <a:hueOff val="0"/>
+              <a:satOff val="0"/>
+              <a:lumOff val="0"/>
+              <a:alphaOff val="0"/>
+            </a:schemeClr>
+          </a:fillRef>
+          <a:effectRef idx="0">
+            <a:schemeClr val="accent1">
+              <a:hueOff val="0"/>
+              <a:satOff val="0"/>
+              <a:lumOff val="0"/>
+              <a:alphaOff val="0"/>
+            </a:schemeClr>
+          </a:effectRef>
+          <a:fontRef idx="minor">
+            <a:schemeClr val="lt1"/>
+          </a:fontRef>
+        </p:style>
+        <p:txBody>
+          <a:bodyPr/>
+          <a:lstStyle/>
+          <a:p>
+            <a:pPr algn="ctr"/>
+            <a:r>
+              <a:rPr lang="fr-FR" dirty="0" smtClean="0"/>
+              <a:t>Abeilles</a:t>
+            </a:r>
+            <a:endParaRPr lang="fr-FR" dirty="0"/>
+          </a:p>
+        </p:txBody>
+      </p:sp>
+      <p:grpSp>
+        <p:nvGrpSpPr>
+          <p:cNvPr id="28" name="Groupe 27"/>
+          <p:cNvGrpSpPr/>
+          <p:nvPr/>
+        </p:nvGrpSpPr>
+        <p:grpSpPr>
+          <a:xfrm>
+            <a:off x="4939755" y="5555527"/>
+            <a:ext cx="2401379" cy="424074"/>
+            <a:chOff x="-2237753" y="-419227"/>
+            <a:chExt cx="2533692" cy="1520215"/>
+          </a:xfrm>
+        </p:grpSpPr>
+        <p:sp>
+          <p:nvSpPr>
+            <p:cNvPr id="29" name="Rectangle 28"/>
+            <p:cNvSpPr/>
+            <p:nvPr/>
+          </p:nvSpPr>
+          <p:spPr>
+            <a:xfrm>
+              <a:off x="-2237753" y="-419227"/>
+              <a:ext cx="2533692" cy="1520215"/>
+            </a:xfrm>
+            <a:prstGeom prst="rect">
+              <a:avLst/>
+            </a:prstGeom>
+          </p:spPr>
+          <p:style>
+            <a:lnRef idx="2">
+              <a:schemeClr val="lt1">
+                <a:hueOff val="0"/>
+                <a:satOff val="0"/>
+                <a:lumOff val="0"/>
+                <a:alphaOff val="0"/>
+              </a:schemeClr>
+            </a:lnRef>
+            <a:fillRef idx="1">
+              <a:schemeClr val="accent2">
+                <a:hueOff val="0"/>
+                <a:satOff val="0"/>
+                <a:lumOff val="0"/>
+                <a:alphaOff val="0"/>
+              </a:schemeClr>
+            </a:fillRef>
+            <a:effectRef idx="0">
+              <a:schemeClr val="accent2">
+                <a:hueOff val="0"/>
+                <a:satOff val="0"/>
+                <a:lumOff val="0"/>
+                <a:alphaOff val="0"/>
+              </a:schemeClr>
+            </a:effectRef>
+            <a:fontRef idx="minor">
+              <a:schemeClr val="lt1"/>
+            </a:fontRef>
+          </p:style>
+        </p:sp>
+        <p:sp>
+          <p:nvSpPr>
+            <p:cNvPr id="30" name="ZoneTexte 29"/>
+            <p:cNvSpPr txBox="1"/>
+            <p:nvPr/>
+          </p:nvSpPr>
+          <p:spPr>
+            <a:xfrm>
+              <a:off x="-2237753" y="-419227"/>
+              <a:ext cx="2533692" cy="1520215"/>
+            </a:xfrm>
+            <a:prstGeom prst="rect">
+              <a:avLst/>
+            </a:prstGeom>
+          </p:spPr>
+          <p:style>
+            <a:lnRef idx="0">
+              <a:scrgbClr r="0" g="0" b="0"/>
+            </a:lnRef>
+            <a:fillRef idx="0">
+              <a:scrgbClr r="0" g="0" b="0"/>
+            </a:fillRef>
+            <a:effectRef idx="0">
+              <a:scrgbClr r="0" g="0" b="0"/>
+            </a:effectRef>
+            <a:fontRef idx="minor">
+              <a:schemeClr val="lt1"/>
+            </a:fontRef>
+          </p:style>
+          <p:txBody>
+            <a:bodyPr spcFirstLastPara="0" vert="horz" wrap="square" lIns="198120" tIns="198120" rIns="198120" bIns="198120" numCol="1" spcCol="1270" anchor="ctr" anchorCtr="0">
+              <a:noAutofit/>
+            </a:bodyPr>
+            <a:lstStyle/>
+            <a:p>
+              <a:endParaRPr lang="fr-FR" sz="1600" dirty="0" smtClean="0">
+                <a:solidFill>
+                  <a:schemeClr val="bg1">
+                    <a:lumMod val="85000"/>
+                    <a:lumOff val="15000"/>
+                  </a:schemeClr>
+                </a:solidFill>
+              </a:endParaRPr>
+            </a:p>
+            <a:p>
+              <a:r>
+                <a:rPr lang="fr-FR" sz="1600" dirty="0" smtClean="0">
+                  <a:solidFill>
+                    <a:schemeClr val="bg1">
+                      <a:lumMod val="85000"/>
+                      <a:lumOff val="15000"/>
+                    </a:schemeClr>
+                  </a:solidFill>
+                </a:rPr>
+                <a:t>Sources mémorisées</a:t>
+              </a:r>
+              <a:endParaRPr lang="fr-FR" sz="1600" dirty="0">
+                <a:solidFill>
+                  <a:schemeClr val="bg1">
+                    <a:lumMod val="85000"/>
+                    <a:lumOff val="15000"/>
+                  </a:schemeClr>
+                </a:solidFill>
+              </a:endParaRPr>
+            </a:p>
+            <a:p>
+              <a:pPr marL="0" lvl="0" indent="0" defTabSz="2311400">
+                <a:lnSpc>
+                  <a:spcPct val="150000"/>
+                </a:lnSpc>
+                <a:spcBef>
+                  <a:spcPct val="0"/>
+                </a:spcBef>
+                <a:spcAft>
+                  <a:spcPct val="35000"/>
+                </a:spcAft>
+                <a:buNone/>
+              </a:pPr>
+              <a:endParaRPr lang="fr-FR" sz="1300" kern="1200" dirty="0"/>
+            </a:p>
+          </p:txBody>
+        </p:sp>
+      </p:grpSp>
+      <p:sp>
+        <p:nvSpPr>
+          <p:cNvPr id="35" name="Rectangle : coins arrondis 7"/>
+          <p:cNvSpPr/>
+          <p:nvPr/>
+        </p:nvSpPr>
+        <p:spPr>
+          <a:xfrm>
+            <a:off x="8576774" y="5078332"/>
+            <a:ext cx="2721616" cy="494546"/>
+          </a:xfrm>
+          <a:prstGeom prst="roundRect">
+            <a:avLst>
+              <a:gd name="adj" fmla="val 10000"/>
+            </a:avLst>
+          </a:prstGeom>
+        </p:spPr>
+        <p:style>
+          <a:lnRef idx="2">
+            <a:schemeClr val="lt1">
+              <a:hueOff val="0"/>
+              <a:satOff val="0"/>
+              <a:lumOff val="0"/>
+              <a:alphaOff val="0"/>
+            </a:schemeClr>
+          </a:lnRef>
+          <a:fillRef idx="1">
+            <a:schemeClr val="accent1">
+              <a:hueOff val="0"/>
+              <a:satOff val="0"/>
+              <a:lumOff val="0"/>
+              <a:alphaOff val="0"/>
+            </a:schemeClr>
+          </a:fillRef>
+          <a:effectRef idx="0">
+            <a:schemeClr val="accent1">
+              <a:hueOff val="0"/>
+              <a:satOff val="0"/>
+              <a:lumOff val="0"/>
+              <a:alphaOff val="0"/>
+            </a:schemeClr>
+          </a:effectRef>
+          <a:fontRef idx="minor">
+            <a:schemeClr val="lt1"/>
+          </a:fontRef>
+        </p:style>
+        <p:txBody>
+          <a:bodyPr/>
+          <a:lstStyle/>
+          <a:p>
+            <a:pPr algn="ctr"/>
+            <a:r>
+              <a:rPr lang="fr-FR" dirty="0" smtClean="0"/>
+              <a:t>Tableau de solutions</a:t>
+            </a:r>
+            <a:endParaRPr lang="fr-FR" dirty="0"/>
+          </a:p>
+        </p:txBody>
+      </p:sp>
+      <p:grpSp>
+        <p:nvGrpSpPr>
+          <p:cNvPr id="36" name="Groupe 35"/>
+          <p:cNvGrpSpPr/>
+          <p:nvPr/>
+        </p:nvGrpSpPr>
+        <p:grpSpPr>
+          <a:xfrm>
+            <a:off x="8540413" y="5569536"/>
+            <a:ext cx="2757977" cy="627843"/>
+            <a:chOff x="-2271603" y="-419227"/>
+            <a:chExt cx="2567542" cy="1520215"/>
+          </a:xfrm>
+        </p:grpSpPr>
+        <p:sp>
+          <p:nvSpPr>
+            <p:cNvPr id="37" name="Rectangle 36"/>
+            <p:cNvSpPr/>
+            <p:nvPr/>
+          </p:nvSpPr>
+          <p:spPr>
+            <a:xfrm>
+              <a:off x="-2237753" y="-419227"/>
+              <a:ext cx="2533692" cy="1520215"/>
+            </a:xfrm>
+            <a:prstGeom prst="rect">
+              <a:avLst/>
+            </a:prstGeom>
+          </p:spPr>
+          <p:style>
+            <a:lnRef idx="2">
+              <a:schemeClr val="lt1">
+                <a:hueOff val="0"/>
+                <a:satOff val="0"/>
+                <a:lumOff val="0"/>
+                <a:alphaOff val="0"/>
+              </a:schemeClr>
+            </a:lnRef>
+            <a:fillRef idx="1">
+              <a:schemeClr val="accent2">
+                <a:hueOff val="0"/>
+                <a:satOff val="0"/>
+                <a:lumOff val="0"/>
+                <a:alphaOff val="0"/>
+              </a:schemeClr>
+            </a:fillRef>
+            <a:effectRef idx="0">
+              <a:schemeClr val="accent2">
+                <a:hueOff val="0"/>
+                <a:satOff val="0"/>
+                <a:lumOff val="0"/>
+                <a:alphaOff val="0"/>
+              </a:schemeClr>
+            </a:effectRef>
+            <a:fontRef idx="minor">
+              <a:schemeClr val="lt1"/>
+            </a:fontRef>
+          </p:style>
+        </p:sp>
+        <p:sp>
+          <p:nvSpPr>
+            <p:cNvPr id="38" name="ZoneTexte 37"/>
+            <p:cNvSpPr txBox="1"/>
+            <p:nvPr/>
+          </p:nvSpPr>
+          <p:spPr>
+            <a:xfrm>
+              <a:off x="-2271603" y="-419227"/>
+              <a:ext cx="2533692" cy="1520215"/>
+            </a:xfrm>
+            <a:prstGeom prst="rect">
+              <a:avLst/>
+            </a:prstGeom>
+          </p:spPr>
+          <p:style>
+            <a:lnRef idx="0">
+              <a:scrgbClr r="0" g="0" b="0"/>
+            </a:lnRef>
+            <a:fillRef idx="0">
+              <a:scrgbClr r="0" g="0" b="0"/>
+            </a:fillRef>
+            <a:effectRef idx="0">
+              <a:scrgbClr r="0" g="0" b="0"/>
+            </a:effectRef>
+            <a:fontRef idx="minor">
+              <a:schemeClr val="lt1"/>
+            </a:fontRef>
+          </p:style>
+          <p:txBody>
+            <a:bodyPr spcFirstLastPara="0" vert="horz" wrap="square" lIns="198120" tIns="198120" rIns="198120" bIns="198120" numCol="1" spcCol="1270" anchor="ctr" anchorCtr="0">
+              <a:noAutofit/>
+            </a:bodyPr>
+            <a:lstStyle/>
+            <a:p>
+              <a:endParaRPr lang="fr-FR" sz="1600" dirty="0" smtClean="0">
+                <a:solidFill>
+                  <a:schemeClr val="bg1">
+                    <a:lumMod val="85000"/>
+                    <a:lumOff val="15000"/>
+                  </a:schemeClr>
+                </a:solidFill>
+              </a:endParaRPr>
+            </a:p>
+            <a:p>
+              <a:r>
+                <a:rPr lang="fr-FR" sz="1600" dirty="0" smtClean="0">
+                  <a:solidFill>
+                    <a:schemeClr val="bg1">
+                      <a:lumMod val="85000"/>
+                      <a:lumOff val="15000"/>
+                    </a:schemeClr>
+                  </a:solidFill>
+                </a:rPr>
+                <a:t>Tableau de sources (valeurs)</a:t>
+              </a:r>
+              <a:endParaRPr lang="fr-FR" sz="1600" dirty="0">
+                <a:solidFill>
+                  <a:schemeClr val="bg1">
+                    <a:lumMod val="85000"/>
+                    <a:lumOff val="15000"/>
+                  </a:schemeClr>
+                </a:solidFill>
+              </a:endParaRPr>
+            </a:p>
+            <a:p>
+              <a:pPr marL="0" lvl="0" indent="0" defTabSz="2311400">
+                <a:lnSpc>
+                  <a:spcPct val="150000"/>
+                </a:lnSpc>
+                <a:spcBef>
+                  <a:spcPct val="0"/>
+                </a:spcBef>
+                <a:spcAft>
+                  <a:spcPct val="35000"/>
+                </a:spcAft>
+                <a:buNone/>
+              </a:pPr>
+              <a:endParaRPr lang="fr-FR" sz="1300" kern="1200" dirty="0"/>
+            </a:p>
+          </p:txBody>
+        </p:sp>
+      </p:grpSp>
+      <p:sp>
+        <p:nvSpPr>
+          <p:cNvPr id="41" name="ZoneTexte 40"/>
+          <p:cNvSpPr txBox="1"/>
+          <p:nvPr/>
+        </p:nvSpPr>
+        <p:spPr>
+          <a:xfrm>
+            <a:off x="7657737" y="5357499"/>
+            <a:ext cx="612137" cy="424074"/>
+          </a:xfrm>
+          <a:prstGeom prst="rect">
+            <a:avLst/>
+          </a:prstGeom>
+        </p:spPr>
+        <p:style>
+          <a:lnRef idx="0">
+            <a:scrgbClr r="0" g="0" b="0"/>
+          </a:lnRef>
+          <a:fillRef idx="0">
+            <a:scrgbClr r="0" g="0" b="0"/>
+          </a:fillRef>
+          <a:effectRef idx="0">
+            <a:scrgbClr r="0" g="0" b="0"/>
+          </a:effectRef>
+          <a:fontRef idx="minor">
+            <a:schemeClr val="lt1"/>
+          </a:fontRef>
+        </p:style>
+        <p:txBody>
+          <a:bodyPr spcFirstLastPara="0" vert="horz" wrap="square" lIns="198120" tIns="198120" rIns="198120" bIns="198120" numCol="1" spcCol="1270" anchor="ctr" anchorCtr="0">
+            <a:noAutofit/>
+          </a:bodyPr>
+          <a:lstStyle/>
+          <a:p>
+            <a:endParaRPr lang="fr-FR" sz="1600" dirty="0" smtClean="0">
+              <a:solidFill>
+                <a:schemeClr val="bg1">
+                  <a:lumMod val="85000"/>
+                  <a:lumOff val="15000"/>
+                </a:schemeClr>
+              </a:solidFill>
+            </a:endParaRPr>
+          </a:p>
+          <a:p>
+            <a:r>
+              <a:rPr lang="fr-FR" sz="4800" dirty="0" smtClean="0">
+                <a:solidFill>
+                  <a:schemeClr val="tx1"/>
+                </a:solidFill>
+              </a:rPr>
+              <a:t>=</a:t>
+            </a:r>
+            <a:endParaRPr lang="fr-FR" sz="4800" dirty="0">
+              <a:solidFill>
+                <a:schemeClr val="tx1"/>
+              </a:solidFill>
+            </a:endParaRPr>
+          </a:p>
+          <a:p>
+            <a:pPr marL="0" lvl="0" indent="0" defTabSz="2311400">
+              <a:lnSpc>
+                <a:spcPct val="150000"/>
+              </a:lnSpc>
+              <a:spcBef>
+                <a:spcPct val="0"/>
+              </a:spcBef>
+              <a:spcAft>
+                <a:spcPct val="35000"/>
+              </a:spcAft>
+              <a:buNone/>
+            </a:pPr>
+            <a:endParaRPr lang="fr-FR" sz="1300" kern="1200" dirty="0"/>
+          </a:p>
+        </p:txBody>
+      </p:sp>
+      <p:pic>
+        <p:nvPicPr>
+          <p:cNvPr id="43" name="Image 42"/>
+          <p:cNvPicPr>
+            <a:picLocks noChangeAspect="1"/>
+          </p:cNvPicPr>
+          <p:nvPr/>
+        </p:nvPicPr>
+        <p:blipFill>
+          <a:blip r:embed="rId2"/>
+          <a:stretch>
+            <a:fillRect/>
+          </a:stretch>
+        </p:blipFill>
+        <p:spPr>
+          <a:xfrm rot="656426">
+            <a:off x="7356870" y="2878093"/>
+            <a:ext cx="637127" cy="522444"/>
           </a:xfrm>
           <a:prstGeom prst="rect">
             <a:avLst/>
@@ -23214,28 +23706,22 @@
       </p:pic>
       <p:pic>
         <p:nvPicPr>
-          <p:cNvPr id="11" name="Image 10"/>
+          <p:cNvPr id="44" name="Image 43"/>
           <p:cNvPicPr>
             <a:picLocks noChangeAspect="1"/>
           </p:cNvPicPr>
           <p:nvPr/>
         </p:nvPicPr>
         <p:blipFill>
-          <a:blip r:embed="rId3">
-            <a:extLst>
-              <a:ext uri="{28A0092B-C50C-407E-A947-70E740481C1C}">
-                <a14:useLocalDpi xmlns:a14="http://schemas.microsoft.com/office/drawing/2010/main" val="0"/>
-              </a:ext>
-            </a:extLst>
-          </a:blip>
+          <a:blip r:embed="rId2"/>
           <a:stretch>
             <a:fillRect/>
           </a:stretch>
         </p:blipFill>
         <p:spPr>
-          <a:xfrm>
-            <a:off x="873255" y="4252462"/>
-            <a:ext cx="4000000" cy="1828571"/>
+          <a:xfrm rot="20663071" flipH="1">
+            <a:off x="594166" y="2066589"/>
+            <a:ext cx="611220" cy="501200"/>
           </a:xfrm>
           <a:prstGeom prst="rect">
             <a:avLst/>
@@ -23244,128 +23730,77 @@
       </p:pic>
       <p:sp>
         <p:nvSpPr>
-          <p:cNvPr id="12" name="ZoneTexte 11"/>
+          <p:cNvPr id="46" name="ZoneTexte 45"/>
           <p:cNvSpPr txBox="1"/>
           <p:nvPr/>
         </p:nvSpPr>
         <p:spPr>
           <a:xfrm>
-            <a:off x="5257263" y="2241808"/>
-            <a:ext cx="4240263" cy="369332"/>
+            <a:off x="7813117" y="2673468"/>
+            <a:ext cx="1302873" cy="424074"/>
           </a:xfrm>
           <a:prstGeom prst="rect">
             <a:avLst/>
           </a:prstGeom>
-          <a:noFill/>
         </p:spPr>
+        <p:style>
+          <a:lnRef idx="0">
+            <a:scrgbClr r="0" g="0" b="0"/>
+          </a:lnRef>
+          <a:fillRef idx="0">
+            <a:scrgbClr r="0" g="0" b="0"/>
+          </a:fillRef>
+          <a:effectRef idx="0">
+            <a:scrgbClr r="0" g="0" b="0"/>
+          </a:effectRef>
+          <a:fontRef idx="minor">
+            <a:schemeClr val="lt1"/>
+          </a:fontRef>
+        </p:style>
         <p:txBody>
-          <a:bodyPr wrap="none" rtlCol="0">
-            <a:spAutoFit/>
+          <a:bodyPr spcFirstLastPara="0" vert="horz" wrap="square" lIns="198120" tIns="198120" rIns="198120" bIns="198120" numCol="1" spcCol="1270" anchor="ctr" anchorCtr="0">
+            <a:noAutofit/>
           </a:bodyPr>
           <a:lstStyle/>
           <a:p>
-            <a:r>
-              <a:rPr lang="fr-FR" dirty="0"/>
-              <a:t>0.9 * la source/ la meilleur source +0.1</a:t>
-            </a:r>
-          </a:p>
-        </p:txBody>
-      </p:sp>
-      <p:sp>
-        <p:nvSpPr>
-          <p:cNvPr id="13" name="ZoneTexte 12"/>
-          <p:cNvSpPr txBox="1"/>
-          <p:nvPr/>
-        </p:nvSpPr>
-        <p:spPr>
-          <a:xfrm>
-            <a:off x="5324205" y="3966418"/>
-            <a:ext cx="4106378" cy="1200329"/>
-          </a:xfrm>
-          <a:prstGeom prst="rect">
-            <a:avLst/>
-          </a:prstGeom>
-          <a:noFill/>
-        </p:spPr>
-        <p:txBody>
-          <a:bodyPr wrap="square" rtlCol="0">
-            <a:spAutoFit/>
-          </a:bodyPr>
-          <a:lstStyle/>
-          <a:p>
-            <a:r>
-              <a:rPr lang="es-ES" dirty="0"/>
-              <a:t>Rand = </a:t>
-            </a:r>
-            <a:r>
-              <a:rPr lang="es-ES" dirty="0" err="1"/>
-              <a:t>Aléatoire</a:t>
-            </a:r>
-            <a:r>
-              <a:rPr lang="es-ES" dirty="0"/>
-              <a:t> [-1;1]</a:t>
-            </a:r>
+            <a:endParaRPr lang="fr-FR" sz="1600" dirty="0" smtClean="0">
+              <a:solidFill>
+                <a:schemeClr val="bg1">
+                  <a:lumMod val="85000"/>
+                  <a:lumOff val="15000"/>
+                </a:schemeClr>
+              </a:solidFill>
+            </a:endParaRPr>
           </a:p>
           <a:p>
             <a:r>
-              <a:rPr lang="es-ES" dirty="0"/>
-              <a:t>X= La </a:t>
+              <a:rPr lang="fr-FR" dirty="0" smtClean="0">
+                <a:solidFill>
+                  <a:schemeClr val="tx1"/>
+                </a:solidFill>
+              </a:rPr>
+              <a:t>Voisine</a:t>
             </a:r>
-            <a:r>
-              <a:rPr lang="es-ES" dirty="0" err="1"/>
-              <a:t>source</a:t>
-            </a:r>
-            <a:r>
-              <a:rPr lang="es-ES" dirty="0"/>
-              <a:t> de </a:t>
-            </a:r>
-            <a:r>
-              <a:rPr lang="es-ES" dirty="0" err="1"/>
-              <a:t>l’abeille</a:t>
-            </a:r>
-            <a:endParaRPr lang="es-ES" dirty="0"/>
+            <a:endParaRPr lang="fr-FR" dirty="0">
+              <a:solidFill>
+                <a:schemeClr val="tx1"/>
+              </a:solidFill>
+            </a:endParaRPr>
           </a:p>
           <a:p>
-            <a:r>
-              <a:rPr lang="es-ES" dirty="0"/>
-              <a:t>Y = La </a:t>
-            </a:r>
-            <a:r>
-              <a:rPr lang="es-ES" dirty="0" err="1"/>
-              <a:t>source</a:t>
-            </a:r>
-            <a:r>
-              <a:rPr lang="es-ES" dirty="0"/>
-              <a:t> </a:t>
-            </a:r>
-            <a:r>
-              <a:rPr lang="es-ES" dirty="0" err="1"/>
-              <a:t>d’une</a:t>
-            </a:r>
-            <a:r>
-              <a:rPr lang="es-ES" dirty="0"/>
-              <a:t> </a:t>
-            </a:r>
-            <a:r>
-              <a:rPr lang="es-ES" dirty="0" err="1"/>
-              <a:t>abeille</a:t>
-            </a:r>
-            <a:r>
-              <a:rPr lang="es-ES" dirty="0"/>
-              <a:t> </a:t>
-            </a:r>
-            <a:r>
-              <a:rPr lang="es-ES" dirty="0" err="1"/>
-              <a:t>voisine</a:t>
-            </a:r>
-            <a:endParaRPr lang="es-ES" dirty="0"/>
-          </a:p>
-          <a:p>
-            <a:r>
-              <a:rPr lang="es-ES" dirty="0"/>
-              <a:t>X+(X-Y)*Rand</a:t>
-            </a:r>
-            <a:endParaRPr lang="fr-FR" dirty="0"/>
+            <a:pPr marL="0" lvl="0" indent="0" defTabSz="2311400">
+              <a:lnSpc>
+                <a:spcPct val="150000"/>
+              </a:lnSpc>
+              <a:spcBef>
+                <a:spcPct val="0"/>
+              </a:spcBef>
+              <a:spcAft>
+                <a:spcPct val="35000"/>
+              </a:spcAft>
+              <a:buNone/>
+            </a:pPr>
+            <a:endParaRPr lang="fr-FR" sz="1300" kern="1200" dirty="0"/>
           </a:p>
         </p:txBody>
       </p:sp>
@@ -23382,308 +23817,14 @@
   <p:timing>
     <p:tnLst>
       <p:par>
-        <p:cTn id="1" dur="indefinite" restart="never" nodeType="tmRoot">
-          <p:childTnLst>
-            <p:seq concurrent="1" nextAc="seek">
-              <p:cTn id="2" dur="indefinite" nodeType="mainSeq">
-                <p:childTnLst>
-                  <p:par>
-                    <p:cTn id="3" fill="hold">
-                      <p:stCondLst>
-                        <p:cond delay="indefinite"/>
-                      </p:stCondLst>
-                      <p:childTnLst>
-                        <p:par>
-                          <p:cTn id="4" fill="hold">
-                            <p:stCondLst>
-                              <p:cond delay="0"/>
-                            </p:stCondLst>
-                            <p:childTnLst>
-                              <p:par>
-                                <p:cTn id="5" presetID="1" presetClass="entr" presetSubtype="0" fill="hold" nodeType="clickEffect">
-                                  <p:stCondLst>
-                                    <p:cond delay="0"/>
-                                  </p:stCondLst>
-                                  <p:childTnLst>
-                                    <p:set>
-                                      <p:cBhvr>
-                                        <p:cTn id="6" dur="1" fill="hold">
-                                          <p:stCondLst>
-                                            <p:cond delay="0"/>
-                                          </p:stCondLst>
-                                        </p:cTn>
-                                        <p:tgtEl>
-                                          <p:spTgt spid="5"/>
-                                        </p:tgtEl>
-                                        <p:attrNameLst>
-                                          <p:attrName>style.visibility</p:attrName>
-                                        </p:attrNameLst>
-                                      </p:cBhvr>
-                                      <p:to>
-                                        <p:strVal val="visible"/>
-                                      </p:to>
-                                    </p:set>
-                                  </p:childTnLst>
-                                </p:cTn>
-                              </p:par>
-                              <p:par>
-                                <p:cTn id="7" presetID="1" presetClass="entr" presetSubtype="0" fill="hold" grpId="0" nodeType="withEffect">
-                                  <p:stCondLst>
-                                    <p:cond delay="0"/>
-                                  </p:stCondLst>
-                                  <p:childTnLst>
-                                    <p:set>
-                                      <p:cBhvr>
-                                        <p:cTn id="8" dur="1" fill="hold">
-                                          <p:stCondLst>
-                                            <p:cond delay="0"/>
-                                          </p:stCondLst>
-                                        </p:cTn>
-                                        <p:tgtEl>
-                                          <p:spTgt spid="12"/>
-                                        </p:tgtEl>
-                                        <p:attrNameLst>
-                                          <p:attrName>style.visibility</p:attrName>
-                                        </p:attrNameLst>
-                                      </p:cBhvr>
-                                      <p:to>
-                                        <p:strVal val="visible"/>
-                                      </p:to>
-                                    </p:set>
-                                  </p:childTnLst>
-                                </p:cTn>
-                              </p:par>
-                            </p:childTnLst>
-                          </p:cTn>
-                        </p:par>
-                      </p:childTnLst>
-                    </p:cTn>
-                  </p:par>
-                  <p:par>
-                    <p:cTn id="9" fill="hold">
-                      <p:stCondLst>
-                        <p:cond delay="indefinite"/>
-                      </p:stCondLst>
-                      <p:childTnLst>
-                        <p:par>
-                          <p:cTn id="10" fill="hold">
-                            <p:stCondLst>
-                              <p:cond delay="0"/>
-                            </p:stCondLst>
-                            <p:childTnLst>
-                              <p:par>
-                                <p:cTn id="11" presetID="1" presetClass="entr" presetSubtype="0" fill="hold" nodeType="clickEffect">
-                                  <p:stCondLst>
-                                    <p:cond delay="0"/>
-                                  </p:stCondLst>
-                                  <p:childTnLst>
-                                    <p:set>
-                                      <p:cBhvr>
-                                        <p:cTn id="12" dur="1" fill="hold">
-                                          <p:stCondLst>
-                                            <p:cond delay="0"/>
-                                          </p:stCondLst>
-                                        </p:cTn>
-                                        <p:tgtEl>
-                                          <p:spTgt spid="11"/>
-                                        </p:tgtEl>
-                                        <p:attrNameLst>
-                                          <p:attrName>style.visibility</p:attrName>
-                                        </p:attrNameLst>
-                                      </p:cBhvr>
-                                      <p:to>
-                                        <p:strVal val="visible"/>
-                                      </p:to>
-                                    </p:set>
-                                  </p:childTnLst>
-                                </p:cTn>
-                              </p:par>
-                            </p:childTnLst>
-                          </p:cTn>
-                        </p:par>
-                      </p:childTnLst>
-                    </p:cTn>
-                  </p:par>
-                  <p:par>
-                    <p:cTn id="13" fill="hold">
-                      <p:stCondLst>
-                        <p:cond delay="indefinite"/>
-                      </p:stCondLst>
-                      <p:childTnLst>
-                        <p:par>
-                          <p:cTn id="14" fill="hold">
-                            <p:stCondLst>
-                              <p:cond delay="0"/>
-                            </p:stCondLst>
-                            <p:childTnLst>
-                              <p:par>
-                                <p:cTn id="15" presetID="1" presetClass="entr" presetSubtype="0" fill="hold" grpId="0" nodeType="clickEffect">
-                                  <p:stCondLst>
-                                    <p:cond delay="0"/>
-                                  </p:stCondLst>
-                                  <p:childTnLst>
-                                    <p:set>
-                                      <p:cBhvr>
-                                        <p:cTn id="16" dur="1" fill="hold">
-                                          <p:stCondLst>
-                                            <p:cond delay="0"/>
-                                          </p:stCondLst>
-                                        </p:cTn>
-                                        <p:tgtEl>
-                                          <p:spTgt spid="13"/>
-                                        </p:tgtEl>
-                                        <p:attrNameLst>
-                                          <p:attrName>style.visibility</p:attrName>
-                                        </p:attrNameLst>
-                                      </p:cBhvr>
-                                      <p:to>
-                                        <p:strVal val="visible"/>
-                                      </p:to>
-                                    </p:set>
-                                  </p:childTnLst>
-                                </p:cTn>
-                              </p:par>
-                            </p:childTnLst>
-                          </p:cTn>
-                        </p:par>
-                      </p:childTnLst>
-                    </p:cTn>
-                  </p:par>
-                </p:childTnLst>
-              </p:cTn>
-              <p:prevCondLst>
-                <p:cond evt="onPrev" delay="0">
-                  <p:tgtEl>
-                    <p:sldTgt/>
-                  </p:tgtEl>
-                </p:cond>
-              </p:prevCondLst>
-              <p:nextCondLst>
-                <p:cond evt="onNext" delay="0">
-                  <p:tgtEl>
-                    <p:sldTgt/>
-                  </p:tgtEl>
-                </p:cond>
-              </p:nextCondLst>
-            </p:seq>
-          </p:childTnLst>
-        </p:cTn>
+        <p:cTn id="1" dur="indefinite" restart="never" nodeType="tmRoot"/>
       </p:par>
     </p:tnLst>
-    <p:bldLst>
-      <p:bldP spid="12" grpId="0"/>
-      <p:bldP spid="13" grpId="0"/>
-    </p:bldLst>
   </p:timing>
 </p:sld>
 </file>
 
 <file path=ppt/slides/slide8.xml><?xml version="1.0" encoding="utf-8"?>
-<p:sld xmlns:a="http://schemas.openxmlformats.org/drawingml/2006/main" xmlns:r="http://schemas.openxmlformats.org/officeDocument/2006/relationships" xmlns:p="http://schemas.openxmlformats.org/presentationml/2006/main">
-  <p:cSld>
-    <p:spTree>
-      <p:nvGrpSpPr>
-        <p:cNvPr id="1" name=""/>
-        <p:cNvGrpSpPr/>
-        <p:nvPr/>
-      </p:nvGrpSpPr>
-      <p:grpSpPr>
-        <a:xfrm>
-          <a:off x="0" y="0"/>
-          <a:ext cx="0" cy="0"/>
-          <a:chOff x="0" y="0"/>
-          <a:chExt cx="0" cy="0"/>
-        </a:xfrm>
-      </p:grpSpPr>
-      <p:sp>
-        <p:nvSpPr>
-          <p:cNvPr id="2" name="Titre 1"/>
-          <p:cNvSpPr>
-            <a:spLocks noGrp="1"/>
-          </p:cNvSpPr>
-          <p:nvPr>
-            <p:ph type="title"/>
-          </p:nvPr>
-        </p:nvSpPr>
-        <p:spPr/>
-        <p:txBody>
-          <a:bodyPr/>
-          <a:lstStyle/>
-          <a:p>
-            <a:r>
-              <a:rPr lang="fr-FR" dirty="0"/>
-              <a:t>Implémentation</a:t>
-            </a:r>
-            <a:endParaRPr lang="en-US" dirty="0"/>
-          </a:p>
-        </p:txBody>
-      </p:sp>
-      <p:sp>
-        <p:nvSpPr>
-          <p:cNvPr id="4" name="Espace réservé du numéro de diapositive 3"/>
-          <p:cNvSpPr>
-            <a:spLocks noGrp="1"/>
-          </p:cNvSpPr>
-          <p:nvPr>
-            <p:ph type="sldNum" sz="quarter" idx="12"/>
-          </p:nvPr>
-        </p:nvSpPr>
-        <p:spPr/>
-        <p:txBody>
-          <a:bodyPr/>
-          <a:lstStyle/>
-          <a:p>
-            <a:fld id="{4FAB73BC-B049-4115-A692-8D63A059BFB8}" type="slidenum">
-              <a:rPr lang="en-US" smtClean="0"/>
-              <a:t>8</a:t>
-            </a:fld>
-            <a:endParaRPr lang="en-US" dirty="0"/>
-          </a:p>
-        </p:txBody>
-      </p:sp>
-      <p:pic>
-        <p:nvPicPr>
-          <p:cNvPr id="7" name="Image 6"/>
-          <p:cNvPicPr>
-            <a:picLocks noChangeAspect="1"/>
-          </p:cNvPicPr>
-          <p:nvPr/>
-        </p:nvPicPr>
-        <p:blipFill rotWithShape="1">
-          <a:blip r:embed="rId2">
-            <a:extLst>
-              <a:ext uri="{28A0092B-C50C-407E-A947-70E740481C1C}">
-                <a14:useLocalDpi xmlns:a14="http://schemas.microsoft.com/office/drawing/2010/main" val="0"/>
-              </a:ext>
-            </a:extLst>
-          </a:blip>
-          <a:srcRect r="9798" b="9083"/>
-          <a:stretch/>
-        </p:blipFill>
-        <p:spPr>
-          <a:xfrm>
-            <a:off x="1019120" y="1757657"/>
-            <a:ext cx="5198700" cy="4382502"/>
-          </a:xfrm>
-          <a:prstGeom prst="rect">
-            <a:avLst/>
-          </a:prstGeom>
-        </p:spPr>
-      </p:pic>
-    </p:spTree>
-    <p:extLst>
-      <p:ext uri="{BB962C8B-B14F-4D97-AF65-F5344CB8AC3E}">
-        <p14:creationId xmlns:p14="http://schemas.microsoft.com/office/powerpoint/2010/main" val="2745266789"/>
-      </p:ext>
-    </p:extLst>
-  </p:cSld>
-  <p:clrMapOvr>
-    <a:masterClrMapping/>
-  </p:clrMapOvr>
-</p:sld>
-</file>
-
-<file path=ppt/slides/slide9.xml><?xml version="1.0" encoding="utf-8"?>
 <p:sld xmlns:a="http://schemas.openxmlformats.org/drawingml/2006/main" xmlns:r="http://schemas.openxmlformats.org/officeDocument/2006/relationships" xmlns:p="http://schemas.openxmlformats.org/presentationml/2006/main">
   <p:cSld>
     <p:spTree>
@@ -23739,7 +23880,7 @@
           <a:p>
             <a:fld id="{4FAB73BC-B049-4115-A692-8D63A059BFB8}" type="slidenum">
               <a:rPr lang="en-US" smtClean="0"/>
-              <a:t>9</a:t>
+              <a:t>8</a:t>
             </a:fld>
             <a:endParaRPr lang="en-US" dirty="0"/>
           </a:p>
@@ -23749,6 +23890,864 @@
     <p:extLst>
       <p:ext uri="{BB962C8B-B14F-4D97-AF65-F5344CB8AC3E}">
         <p14:creationId xmlns:p14="http://schemas.microsoft.com/office/powerpoint/2010/main" val="3480894608"/>
+      </p:ext>
+    </p:extLst>
+  </p:cSld>
+  <p:clrMapOvr>
+    <a:masterClrMapping/>
+  </p:clrMapOvr>
+  <p:timing>
+    <p:tnLst>
+      <p:par>
+        <p:cTn id="1" dur="indefinite" restart="never" nodeType="tmRoot"/>
+      </p:par>
+    </p:tnLst>
+  </p:timing>
+</p:sld>
+</file>
+
+<file path=ppt/slides/slide9.xml><?xml version="1.0" encoding="utf-8"?>
+<p:sld xmlns:a="http://schemas.openxmlformats.org/drawingml/2006/main" xmlns:r="http://schemas.openxmlformats.org/officeDocument/2006/relationships" xmlns:p="http://schemas.openxmlformats.org/presentationml/2006/main">
+  <p:cSld>
+    <p:spTree>
+      <p:nvGrpSpPr>
+        <p:cNvPr id="1" name=""/>
+        <p:cNvGrpSpPr/>
+        <p:nvPr/>
+      </p:nvGrpSpPr>
+      <p:grpSpPr>
+        <a:xfrm>
+          <a:off x="0" y="0"/>
+          <a:ext cx="0" cy="0"/>
+          <a:chOff x="0" y="0"/>
+          <a:chExt cx="0" cy="0"/>
+        </a:xfrm>
+      </p:grpSpPr>
+      <p:sp>
+        <p:nvSpPr>
+          <p:cNvPr id="2" name="Titre 1"/>
+          <p:cNvSpPr>
+            <a:spLocks noGrp="1"/>
+          </p:cNvSpPr>
+          <p:nvPr>
+            <p:ph type="title"/>
+          </p:nvPr>
+        </p:nvSpPr>
+        <p:spPr/>
+        <p:txBody>
+          <a:bodyPr/>
+          <a:lstStyle/>
+          <a:p>
+            <a:r>
+              <a:rPr lang="en-US" dirty="0" err="1"/>
+              <a:t>Répartition</a:t>
+            </a:r>
+            <a:r>
+              <a:rPr lang="en-US" dirty="0"/>
+              <a:t> des </a:t>
+            </a:r>
+            <a:r>
+              <a:rPr lang="en-US" dirty="0" err="1"/>
+              <a:t>tâches</a:t>
+            </a:r>
+            <a:endParaRPr lang="en-US" dirty="0"/>
+          </a:p>
+        </p:txBody>
+      </p:sp>
+      <p:sp>
+        <p:nvSpPr>
+          <p:cNvPr id="4" name="Espace réservé du numéro de diapositive 3"/>
+          <p:cNvSpPr>
+            <a:spLocks noGrp="1"/>
+          </p:cNvSpPr>
+          <p:nvPr>
+            <p:ph type="sldNum" sz="quarter" idx="12"/>
+          </p:nvPr>
+        </p:nvSpPr>
+        <p:spPr/>
+        <p:txBody>
+          <a:bodyPr/>
+          <a:lstStyle/>
+          <a:p>
+            <a:fld id="{4FAB73BC-B049-4115-A692-8D63A059BFB8}" type="slidenum">
+              <a:rPr lang="en-US" smtClean="0"/>
+              <a:t>9</a:t>
+            </a:fld>
+            <a:endParaRPr lang="en-US" dirty="0"/>
+          </a:p>
+        </p:txBody>
+      </p:sp>
+      <p:graphicFrame>
+        <p:nvGraphicFramePr>
+          <p:cNvPr id="5" name="Diagramme 4"/>
+          <p:cNvGraphicFramePr/>
+          <p:nvPr>
+            <p:extLst>
+              <p:ext uri="{D42A27DB-BD31-4B8C-83A1-F6EECF244321}">
+                <p14:modId xmlns:p14="http://schemas.microsoft.com/office/powerpoint/2010/main" val="902645482"/>
+              </p:ext>
+            </p:extLst>
+          </p:nvPr>
+        </p:nvGraphicFramePr>
+        <p:xfrm>
+          <a:off x="4127014" y="1834166"/>
+          <a:ext cx="3358146" cy="2257684"/>
+        </p:xfrm>
+        <a:graphic>
+          <a:graphicData uri="http://schemas.openxmlformats.org/drawingml/2006/diagram">
+            <dgm:relIds xmlns:dgm="http://schemas.openxmlformats.org/drawingml/2006/diagram" xmlns:r="http://schemas.openxmlformats.org/officeDocument/2006/relationships" r:dm="rId2" r:lo="rId3" r:qs="rId4" r:cs="rId5"/>
+          </a:graphicData>
+        </a:graphic>
+      </p:graphicFrame>
+      <p:grpSp>
+        <p:nvGrpSpPr>
+          <p:cNvPr id="7" name="Groupe 6"/>
+          <p:cNvGrpSpPr/>
+          <p:nvPr/>
+        </p:nvGrpSpPr>
+        <p:grpSpPr>
+          <a:xfrm>
+            <a:off x="405510" y="4351814"/>
+            <a:ext cx="2299825" cy="494546"/>
+            <a:chOff x="0" y="1910710"/>
+            <a:chExt cx="1756276" cy="336263"/>
+          </a:xfrm>
+        </p:grpSpPr>
+        <p:sp>
+          <p:nvSpPr>
+            <p:cNvPr id="8" name="Rectangle : coins arrondis 7"/>
+            <p:cNvSpPr/>
+            <p:nvPr/>
+          </p:nvSpPr>
+          <p:spPr>
+            <a:xfrm>
+              <a:off x="0" y="1910710"/>
+              <a:ext cx="1756276" cy="336263"/>
+            </a:xfrm>
+            <a:prstGeom prst="roundRect">
+              <a:avLst>
+                <a:gd name="adj" fmla="val 10000"/>
+              </a:avLst>
+            </a:prstGeom>
+          </p:spPr>
+          <p:style>
+            <a:lnRef idx="2">
+              <a:schemeClr val="lt1">
+                <a:hueOff val="0"/>
+                <a:satOff val="0"/>
+                <a:lumOff val="0"/>
+                <a:alphaOff val="0"/>
+              </a:schemeClr>
+            </a:lnRef>
+            <a:fillRef idx="1">
+              <a:schemeClr val="accent1">
+                <a:hueOff val="0"/>
+                <a:satOff val="0"/>
+                <a:lumOff val="0"/>
+                <a:alphaOff val="0"/>
+              </a:schemeClr>
+            </a:fillRef>
+            <a:effectRef idx="0">
+              <a:schemeClr val="accent1">
+                <a:hueOff val="0"/>
+                <a:satOff val="0"/>
+                <a:lumOff val="0"/>
+                <a:alphaOff val="0"/>
+              </a:schemeClr>
+            </a:effectRef>
+            <a:fontRef idx="minor">
+              <a:schemeClr val="lt1"/>
+            </a:fontRef>
+          </p:style>
+        </p:sp>
+        <p:sp>
+          <p:nvSpPr>
+            <p:cNvPr id="9" name="Rectangle : coins arrondis 4"/>
+            <p:cNvSpPr txBox="1"/>
+            <p:nvPr/>
+          </p:nvSpPr>
+          <p:spPr>
+            <a:xfrm>
+              <a:off x="9849" y="1920559"/>
+              <a:ext cx="1736578" cy="316565"/>
+            </a:xfrm>
+            <a:prstGeom prst="rect">
+              <a:avLst/>
+            </a:prstGeom>
+          </p:spPr>
+          <p:style>
+            <a:lnRef idx="0">
+              <a:scrgbClr r="0" g="0" b="0"/>
+            </a:lnRef>
+            <a:fillRef idx="0">
+              <a:scrgbClr r="0" g="0" b="0"/>
+            </a:fillRef>
+            <a:effectRef idx="0">
+              <a:scrgbClr r="0" g="0" b="0"/>
+            </a:effectRef>
+            <a:fontRef idx="minor">
+              <a:schemeClr val="lt1"/>
+            </a:fontRef>
+          </p:style>
+          <p:txBody>
+            <a:bodyPr spcFirstLastPara="0" vert="horz" wrap="square" lIns="19050" tIns="12700" rIns="19050" bIns="12700" numCol="1" spcCol="1270" anchor="ctr" anchorCtr="0">
+              <a:noAutofit/>
+            </a:bodyPr>
+            <a:lstStyle/>
+            <a:p>
+              <a:pPr marL="0" lvl="0" indent="0" algn="ctr" defTabSz="444500">
+                <a:lnSpc>
+                  <a:spcPct val="90000"/>
+                </a:lnSpc>
+                <a:spcBef>
+                  <a:spcPct val="0"/>
+                </a:spcBef>
+                <a:spcAft>
+                  <a:spcPct val="35000"/>
+                </a:spcAft>
+                <a:buNone/>
+              </a:pPr>
+              <a:r>
+                <a:rPr lang="fr-FR" sz="1700" kern="1200" dirty="0"/>
+                <a:t>Prise d’informations</a:t>
+              </a:r>
+            </a:p>
+          </p:txBody>
+        </p:sp>
+      </p:grpSp>
+      <p:grpSp>
+        <p:nvGrpSpPr>
+          <p:cNvPr id="16" name="Groupe 15"/>
+          <p:cNvGrpSpPr/>
+          <p:nvPr/>
+        </p:nvGrpSpPr>
+        <p:grpSpPr>
+          <a:xfrm>
+            <a:off x="3227629" y="4351814"/>
+            <a:ext cx="2726279" cy="494546"/>
+            <a:chOff x="0" y="1910710"/>
+            <a:chExt cx="1756276" cy="336263"/>
+          </a:xfrm>
+        </p:grpSpPr>
+        <p:sp>
+          <p:nvSpPr>
+            <p:cNvPr id="17" name="Rectangle : coins arrondis 16"/>
+            <p:cNvSpPr/>
+            <p:nvPr/>
+          </p:nvSpPr>
+          <p:spPr>
+            <a:xfrm>
+              <a:off x="0" y="1910710"/>
+              <a:ext cx="1756276" cy="336263"/>
+            </a:xfrm>
+            <a:prstGeom prst="roundRect">
+              <a:avLst>
+                <a:gd name="adj" fmla="val 10000"/>
+              </a:avLst>
+            </a:prstGeom>
+          </p:spPr>
+          <p:style>
+            <a:lnRef idx="2">
+              <a:schemeClr val="lt1">
+                <a:hueOff val="0"/>
+                <a:satOff val="0"/>
+                <a:lumOff val="0"/>
+                <a:alphaOff val="0"/>
+              </a:schemeClr>
+            </a:lnRef>
+            <a:fillRef idx="1">
+              <a:schemeClr val="accent1">
+                <a:hueOff val="0"/>
+                <a:satOff val="0"/>
+                <a:lumOff val="0"/>
+                <a:alphaOff val="0"/>
+              </a:schemeClr>
+            </a:fillRef>
+            <a:effectRef idx="0">
+              <a:schemeClr val="accent1">
+                <a:hueOff val="0"/>
+                <a:satOff val="0"/>
+                <a:lumOff val="0"/>
+                <a:alphaOff val="0"/>
+              </a:schemeClr>
+            </a:effectRef>
+            <a:fontRef idx="minor">
+              <a:schemeClr val="lt1"/>
+            </a:fontRef>
+          </p:style>
+        </p:sp>
+        <p:sp>
+          <p:nvSpPr>
+            <p:cNvPr id="18" name="Rectangle : coins arrondis 4"/>
+            <p:cNvSpPr txBox="1"/>
+            <p:nvPr/>
+          </p:nvSpPr>
+          <p:spPr>
+            <a:xfrm>
+              <a:off x="9849" y="1920559"/>
+              <a:ext cx="1736578" cy="316565"/>
+            </a:xfrm>
+            <a:prstGeom prst="rect">
+              <a:avLst/>
+            </a:prstGeom>
+          </p:spPr>
+          <p:style>
+            <a:lnRef idx="0">
+              <a:scrgbClr r="0" g="0" b="0"/>
+            </a:lnRef>
+            <a:fillRef idx="0">
+              <a:scrgbClr r="0" g="0" b="0"/>
+            </a:fillRef>
+            <a:effectRef idx="0">
+              <a:scrgbClr r="0" g="0" b="0"/>
+            </a:effectRef>
+            <a:fontRef idx="minor">
+              <a:schemeClr val="lt1"/>
+            </a:fontRef>
+          </p:style>
+          <p:txBody>
+            <a:bodyPr spcFirstLastPara="0" vert="horz" wrap="square" lIns="19050" tIns="12700" rIns="19050" bIns="12700" numCol="1" spcCol="1270" anchor="ctr" anchorCtr="0">
+              <a:noAutofit/>
+            </a:bodyPr>
+            <a:lstStyle/>
+            <a:p>
+              <a:pPr marL="0" lvl="0" indent="0" algn="ctr" defTabSz="444500">
+                <a:lnSpc>
+                  <a:spcPct val="90000"/>
+                </a:lnSpc>
+                <a:spcBef>
+                  <a:spcPct val="0"/>
+                </a:spcBef>
+                <a:spcAft>
+                  <a:spcPct val="35000"/>
+                </a:spcAft>
+                <a:buNone/>
+              </a:pPr>
+              <a:r>
+                <a:rPr lang="fr-FR" sz="1700" kern="1200" dirty="0"/>
+                <a:t>Développement des classes</a:t>
+              </a:r>
+            </a:p>
+          </p:txBody>
+        </p:sp>
+      </p:grpSp>
+      <p:grpSp>
+        <p:nvGrpSpPr>
+          <p:cNvPr id="19" name="Groupe 18"/>
+          <p:cNvGrpSpPr/>
+          <p:nvPr/>
+        </p:nvGrpSpPr>
+        <p:grpSpPr>
+          <a:xfrm>
+            <a:off x="9298318" y="4369527"/>
+            <a:ext cx="2585288" cy="508216"/>
+            <a:chOff x="0" y="1910710"/>
+            <a:chExt cx="1756276" cy="336263"/>
+          </a:xfrm>
+        </p:grpSpPr>
+        <p:sp>
+          <p:nvSpPr>
+            <p:cNvPr id="20" name="Rectangle : coins arrondis 19"/>
+            <p:cNvSpPr/>
+            <p:nvPr/>
+          </p:nvSpPr>
+          <p:spPr>
+            <a:xfrm>
+              <a:off x="0" y="1910710"/>
+              <a:ext cx="1756276" cy="336263"/>
+            </a:xfrm>
+            <a:prstGeom prst="roundRect">
+              <a:avLst>
+                <a:gd name="adj" fmla="val 10000"/>
+              </a:avLst>
+            </a:prstGeom>
+          </p:spPr>
+          <p:style>
+            <a:lnRef idx="2">
+              <a:schemeClr val="lt1">
+                <a:hueOff val="0"/>
+                <a:satOff val="0"/>
+                <a:lumOff val="0"/>
+                <a:alphaOff val="0"/>
+              </a:schemeClr>
+            </a:lnRef>
+            <a:fillRef idx="1">
+              <a:schemeClr val="accent1">
+                <a:hueOff val="0"/>
+                <a:satOff val="0"/>
+                <a:lumOff val="0"/>
+                <a:alphaOff val="0"/>
+              </a:schemeClr>
+            </a:fillRef>
+            <a:effectRef idx="0">
+              <a:schemeClr val="accent1">
+                <a:hueOff val="0"/>
+                <a:satOff val="0"/>
+                <a:lumOff val="0"/>
+                <a:alphaOff val="0"/>
+              </a:schemeClr>
+            </a:effectRef>
+            <a:fontRef idx="minor">
+              <a:schemeClr val="lt1"/>
+            </a:fontRef>
+          </p:style>
+        </p:sp>
+        <p:sp>
+          <p:nvSpPr>
+            <p:cNvPr id="21" name="Rectangle : coins arrondis 4"/>
+            <p:cNvSpPr txBox="1"/>
+            <p:nvPr/>
+          </p:nvSpPr>
+          <p:spPr>
+            <a:xfrm>
+              <a:off x="9849" y="1920559"/>
+              <a:ext cx="1736578" cy="316565"/>
+            </a:xfrm>
+            <a:prstGeom prst="rect">
+              <a:avLst/>
+            </a:prstGeom>
+          </p:spPr>
+          <p:style>
+            <a:lnRef idx="0">
+              <a:scrgbClr r="0" g="0" b="0"/>
+            </a:lnRef>
+            <a:fillRef idx="0">
+              <a:scrgbClr r="0" g="0" b="0"/>
+            </a:fillRef>
+            <a:effectRef idx="0">
+              <a:scrgbClr r="0" g="0" b="0"/>
+            </a:effectRef>
+            <a:fontRef idx="minor">
+              <a:schemeClr val="lt1"/>
+            </a:fontRef>
+          </p:style>
+          <p:txBody>
+            <a:bodyPr spcFirstLastPara="0" vert="horz" wrap="square" lIns="19050" tIns="12700" rIns="19050" bIns="12700" numCol="1" spcCol="1270" anchor="ctr" anchorCtr="0">
+              <a:noAutofit/>
+            </a:bodyPr>
+            <a:lstStyle/>
+            <a:p>
+              <a:pPr marL="0" lvl="0" indent="0" algn="ctr" defTabSz="444500">
+                <a:lnSpc>
+                  <a:spcPct val="90000"/>
+                </a:lnSpc>
+                <a:spcBef>
+                  <a:spcPct val="0"/>
+                </a:spcBef>
+                <a:spcAft>
+                  <a:spcPct val="35000"/>
+                </a:spcAft>
+                <a:buNone/>
+              </a:pPr>
+              <a:r>
+                <a:rPr lang="fr-FR" sz="1700" kern="1200" dirty="0"/>
+                <a:t>Interface graphique</a:t>
+              </a:r>
+            </a:p>
+          </p:txBody>
+        </p:sp>
+      </p:grpSp>
+      <p:graphicFrame>
+        <p:nvGraphicFramePr>
+          <p:cNvPr id="25" name="Diagramme 24"/>
+          <p:cNvGraphicFramePr/>
+          <p:nvPr>
+            <p:extLst>
+              <p:ext uri="{D42A27DB-BD31-4B8C-83A1-F6EECF244321}">
+                <p14:modId xmlns:p14="http://schemas.microsoft.com/office/powerpoint/2010/main" val="1673229982"/>
+              </p:ext>
+            </p:extLst>
+          </p:nvPr>
+        </p:nvGraphicFramePr>
+        <p:xfrm>
+          <a:off x="7731430" y="2455788"/>
+          <a:ext cx="2760108" cy="1521677"/>
+        </p:xfrm>
+        <a:graphic>
+          <a:graphicData uri="http://schemas.openxmlformats.org/drawingml/2006/diagram">
+            <dgm:relIds xmlns:dgm="http://schemas.openxmlformats.org/drawingml/2006/diagram" xmlns:r="http://schemas.openxmlformats.org/officeDocument/2006/relationships" r:dm="rId7" r:lo="rId8" r:qs="rId9" r:cs="rId10"/>
+          </a:graphicData>
+        </a:graphic>
+      </p:graphicFrame>
+      <p:grpSp>
+        <p:nvGrpSpPr>
+          <p:cNvPr id="26" name="Groupe 25"/>
+          <p:cNvGrpSpPr/>
+          <p:nvPr/>
+        </p:nvGrpSpPr>
+        <p:grpSpPr>
+          <a:xfrm>
+            <a:off x="3227627" y="4831875"/>
+            <a:ext cx="2726280" cy="1855035"/>
+            <a:chOff x="0" y="1461"/>
+            <a:chExt cx="2533692" cy="1520215"/>
+          </a:xfrm>
+        </p:grpSpPr>
+        <p:sp>
+          <p:nvSpPr>
+            <p:cNvPr id="27" name="Rectangle 26"/>
+            <p:cNvSpPr/>
+            <p:nvPr/>
+          </p:nvSpPr>
+          <p:spPr>
+            <a:xfrm>
+              <a:off x="0" y="1461"/>
+              <a:ext cx="2533692" cy="1520215"/>
+            </a:xfrm>
+            <a:prstGeom prst="rect">
+              <a:avLst/>
+            </a:prstGeom>
+          </p:spPr>
+          <p:style>
+            <a:lnRef idx="2">
+              <a:schemeClr val="lt1">
+                <a:hueOff val="0"/>
+                <a:satOff val="0"/>
+                <a:lumOff val="0"/>
+                <a:alphaOff val="0"/>
+              </a:schemeClr>
+            </a:lnRef>
+            <a:fillRef idx="1">
+              <a:schemeClr val="accent2">
+                <a:hueOff val="0"/>
+                <a:satOff val="0"/>
+                <a:lumOff val="0"/>
+                <a:alphaOff val="0"/>
+              </a:schemeClr>
+            </a:fillRef>
+            <a:effectRef idx="0">
+              <a:schemeClr val="accent2">
+                <a:hueOff val="0"/>
+                <a:satOff val="0"/>
+                <a:lumOff val="0"/>
+                <a:alphaOff val="0"/>
+              </a:schemeClr>
+            </a:effectRef>
+            <a:fontRef idx="minor">
+              <a:schemeClr val="lt1"/>
+            </a:fontRef>
+          </p:style>
+        </p:sp>
+        <p:sp>
+          <p:nvSpPr>
+            <p:cNvPr id="28" name="ZoneTexte 27"/>
+            <p:cNvSpPr txBox="1"/>
+            <p:nvPr/>
+          </p:nvSpPr>
+          <p:spPr>
+            <a:xfrm>
+              <a:off x="0" y="1461"/>
+              <a:ext cx="2533692" cy="1520215"/>
+            </a:xfrm>
+            <a:prstGeom prst="rect">
+              <a:avLst/>
+            </a:prstGeom>
+          </p:spPr>
+          <p:style>
+            <a:lnRef idx="0">
+              <a:scrgbClr r="0" g="0" b="0"/>
+            </a:lnRef>
+            <a:fillRef idx="0">
+              <a:scrgbClr r="0" g="0" b="0"/>
+            </a:fillRef>
+            <a:effectRef idx="0">
+              <a:scrgbClr r="0" g="0" b="0"/>
+            </a:effectRef>
+            <a:fontRef idx="minor">
+              <a:schemeClr val="lt1"/>
+            </a:fontRef>
+          </p:style>
+          <p:txBody>
+            <a:bodyPr spcFirstLastPara="0" vert="horz" wrap="square" lIns="198120" tIns="198120" rIns="198120" bIns="198120" numCol="1" spcCol="1270" anchor="ctr" anchorCtr="0">
+              <a:noAutofit/>
+            </a:bodyPr>
+            <a:lstStyle/>
+            <a:p>
+              <a:pPr marL="0" lvl="0" indent="0" defTabSz="2311400">
+                <a:lnSpc>
+                  <a:spcPct val="150000"/>
+                </a:lnSpc>
+                <a:spcBef>
+                  <a:spcPct val="0"/>
+                </a:spcBef>
+                <a:spcAft>
+                  <a:spcPct val="35000"/>
+                </a:spcAft>
+                <a:buNone/>
+              </a:pPr>
+              <a:r>
+                <a:rPr lang="fr-FR" sz="1500" kern="1200" dirty="0">
+                  <a:solidFill>
+                    <a:schemeClr val="bg1">
+                      <a:lumMod val="85000"/>
+                      <a:lumOff val="15000"/>
+                    </a:schemeClr>
+                  </a:solidFill>
+                </a:rPr>
+                <a:t>-MyAlgorithm : </a:t>
+              </a:r>
+              <a:r>
+                <a:rPr lang="fr-FR" sz="1300" kern="1200" dirty="0" err="1">
+                  <a:solidFill>
+                    <a:schemeClr val="bg1">
+                      <a:lumMod val="85000"/>
+                      <a:lumOff val="15000"/>
+                    </a:schemeClr>
+                  </a:solidFill>
+                </a:rPr>
+                <a:t>Adrien,Julien</a:t>
+              </a:r>
+              <a:endParaRPr lang="fr-FR" sz="1300" kern="1200" dirty="0">
+                <a:solidFill>
+                  <a:schemeClr val="bg1">
+                    <a:lumMod val="85000"/>
+                    <a:lumOff val="15000"/>
+                  </a:schemeClr>
+                </a:solidFill>
+              </a:endParaRPr>
+            </a:p>
+            <a:p>
+              <a:pPr marL="0" lvl="0" indent="0" defTabSz="2311400">
+                <a:lnSpc>
+                  <a:spcPct val="150000"/>
+                </a:lnSpc>
+                <a:spcBef>
+                  <a:spcPct val="0"/>
+                </a:spcBef>
+                <a:spcAft>
+                  <a:spcPct val="35000"/>
+                </a:spcAft>
+                <a:buNone/>
+              </a:pPr>
+              <a:r>
+                <a:rPr lang="fr-FR" sz="1500" dirty="0">
+                  <a:solidFill>
+                    <a:schemeClr val="bg1">
+                      <a:lumMod val="85000"/>
+                      <a:lumOff val="15000"/>
+                    </a:schemeClr>
+                  </a:solidFill>
+                </a:rPr>
+                <a:t>-Solution : </a:t>
+              </a:r>
+              <a:r>
+                <a:rPr lang="fr-FR" sz="1300" dirty="0">
+                  <a:solidFill>
+                    <a:schemeClr val="bg1">
+                      <a:lumMod val="85000"/>
+                      <a:lumOff val="15000"/>
+                    </a:schemeClr>
+                  </a:solidFill>
+                </a:rPr>
+                <a:t>Daniel, Julien</a:t>
+              </a:r>
+            </a:p>
+            <a:p>
+              <a:pPr marL="0" lvl="0" indent="0" defTabSz="2311400">
+                <a:lnSpc>
+                  <a:spcPct val="150000"/>
+                </a:lnSpc>
+                <a:spcBef>
+                  <a:spcPct val="0"/>
+                </a:spcBef>
+                <a:spcAft>
+                  <a:spcPct val="35000"/>
+                </a:spcAft>
+                <a:buNone/>
+              </a:pPr>
+              <a:r>
+                <a:rPr lang="fr-FR" sz="1500" kern="1200" dirty="0">
+                  <a:solidFill>
+                    <a:schemeClr val="bg1">
+                      <a:lumMod val="85000"/>
+                      <a:lumOff val="15000"/>
+                    </a:schemeClr>
+                  </a:solidFill>
+                </a:rPr>
+                <a:t>-SetUpParams : </a:t>
+              </a:r>
+              <a:r>
+                <a:rPr lang="fr-FR" sz="1300" kern="1200" dirty="0">
+                  <a:solidFill>
+                    <a:schemeClr val="bg1">
+                      <a:lumMod val="85000"/>
+                      <a:lumOff val="15000"/>
+                    </a:schemeClr>
+                  </a:solidFill>
+                </a:rPr>
+                <a:t>Julien</a:t>
+              </a:r>
+            </a:p>
+            <a:p>
+              <a:pPr marL="0" lvl="0" indent="0" defTabSz="2311400">
+                <a:lnSpc>
+                  <a:spcPct val="150000"/>
+                </a:lnSpc>
+                <a:spcBef>
+                  <a:spcPct val="0"/>
+                </a:spcBef>
+                <a:spcAft>
+                  <a:spcPct val="35000"/>
+                </a:spcAft>
+                <a:buNone/>
+              </a:pPr>
+              <a:r>
+                <a:rPr lang="fr-FR" sz="1500" dirty="0">
+                  <a:solidFill>
+                    <a:schemeClr val="bg1">
+                      <a:lumMod val="85000"/>
+                      <a:lumOff val="15000"/>
+                    </a:schemeClr>
+                  </a:solidFill>
+                </a:rPr>
+                <a:t>-</a:t>
+              </a:r>
+              <a:r>
+                <a:rPr lang="fr-FR" sz="1500" kern="1200" dirty="0">
+                  <a:solidFill>
+                    <a:schemeClr val="bg1">
+                      <a:lumMod val="85000"/>
+                      <a:lumOff val="15000"/>
+                    </a:schemeClr>
+                  </a:solidFill>
+                </a:rPr>
+                <a:t>Problem : </a:t>
+              </a:r>
+              <a:r>
+                <a:rPr lang="fr-FR" sz="1300" kern="1200" dirty="0">
+                  <a:solidFill>
+                    <a:schemeClr val="bg1">
+                      <a:lumMod val="85000"/>
+                      <a:lumOff val="15000"/>
+                    </a:schemeClr>
+                  </a:solidFill>
+                </a:rPr>
+                <a:t>Julien</a:t>
+              </a:r>
+            </a:p>
+          </p:txBody>
+        </p:sp>
+      </p:grpSp>
+      <p:grpSp>
+        <p:nvGrpSpPr>
+          <p:cNvPr id="31" name="Groupe 30"/>
+          <p:cNvGrpSpPr/>
+          <p:nvPr/>
+        </p:nvGrpSpPr>
+        <p:grpSpPr>
+          <a:xfrm>
+            <a:off x="6476200" y="4336132"/>
+            <a:ext cx="2299825" cy="494546"/>
+            <a:chOff x="0" y="1910710"/>
+            <a:chExt cx="1756276" cy="336263"/>
+          </a:xfrm>
+        </p:grpSpPr>
+        <p:sp>
+          <p:nvSpPr>
+            <p:cNvPr id="32" name="Rectangle : coins arrondis 31"/>
+            <p:cNvSpPr/>
+            <p:nvPr/>
+          </p:nvSpPr>
+          <p:spPr>
+            <a:xfrm>
+              <a:off x="0" y="1910710"/>
+              <a:ext cx="1756276" cy="336263"/>
+            </a:xfrm>
+            <a:prstGeom prst="roundRect">
+              <a:avLst>
+                <a:gd name="adj" fmla="val 10000"/>
+              </a:avLst>
+            </a:prstGeom>
+          </p:spPr>
+          <p:style>
+            <a:lnRef idx="2">
+              <a:schemeClr val="lt1">
+                <a:hueOff val="0"/>
+                <a:satOff val="0"/>
+                <a:lumOff val="0"/>
+                <a:alphaOff val="0"/>
+              </a:schemeClr>
+            </a:lnRef>
+            <a:fillRef idx="1">
+              <a:schemeClr val="accent1">
+                <a:hueOff val="0"/>
+                <a:satOff val="0"/>
+                <a:lumOff val="0"/>
+                <a:alphaOff val="0"/>
+              </a:schemeClr>
+            </a:fillRef>
+            <a:effectRef idx="0">
+              <a:schemeClr val="accent1">
+                <a:hueOff val="0"/>
+                <a:satOff val="0"/>
+                <a:lumOff val="0"/>
+                <a:alphaOff val="0"/>
+              </a:schemeClr>
+            </a:effectRef>
+            <a:fontRef idx="minor">
+              <a:schemeClr val="lt1"/>
+            </a:fontRef>
+          </p:style>
+        </p:sp>
+        <p:sp>
+          <p:nvSpPr>
+            <p:cNvPr id="33" name="Rectangle : coins arrondis 4"/>
+            <p:cNvSpPr txBox="1"/>
+            <p:nvPr/>
+          </p:nvSpPr>
+          <p:spPr>
+            <a:xfrm>
+              <a:off x="9849" y="1920559"/>
+              <a:ext cx="1736578" cy="316565"/>
+            </a:xfrm>
+            <a:prstGeom prst="rect">
+              <a:avLst/>
+            </a:prstGeom>
+          </p:spPr>
+          <p:style>
+            <a:lnRef idx="0">
+              <a:scrgbClr r="0" g="0" b="0"/>
+            </a:lnRef>
+            <a:fillRef idx="0">
+              <a:scrgbClr r="0" g="0" b="0"/>
+            </a:fillRef>
+            <a:effectRef idx="0">
+              <a:scrgbClr r="0" g="0" b="0"/>
+            </a:effectRef>
+            <a:fontRef idx="minor">
+              <a:schemeClr val="lt1"/>
+            </a:fontRef>
+          </p:style>
+          <p:txBody>
+            <a:bodyPr spcFirstLastPara="0" vert="horz" wrap="square" lIns="19050" tIns="12700" rIns="19050" bIns="12700" numCol="1" spcCol="1270" anchor="ctr" anchorCtr="0">
+              <a:noAutofit/>
+            </a:bodyPr>
+            <a:lstStyle/>
+            <a:p>
+              <a:pPr marL="0" lvl="0" indent="0" algn="ctr" defTabSz="444500">
+                <a:lnSpc>
+                  <a:spcPct val="90000"/>
+                </a:lnSpc>
+                <a:spcBef>
+                  <a:spcPct val="0"/>
+                </a:spcBef>
+                <a:spcAft>
+                  <a:spcPct val="35000"/>
+                </a:spcAft>
+                <a:buNone/>
+              </a:pPr>
+              <a:r>
+                <a:rPr lang="fr-FR" sz="1700" kern="1200" dirty="0"/>
+                <a:t>Benchmarks</a:t>
+              </a:r>
+            </a:p>
+          </p:txBody>
+        </p:sp>
+      </p:grpSp>
+    </p:spTree>
+    <p:extLst>
+      <p:ext uri="{BB962C8B-B14F-4D97-AF65-F5344CB8AC3E}">
+        <p14:creationId xmlns:p14="http://schemas.microsoft.com/office/powerpoint/2010/main" val="490328893"/>
       </p:ext>
     </p:extLst>
   </p:cSld>
